--- a/doc/Cer2016_Femke Thon & Jolien Gay_V2.4.pptx
+++ b/doc/Cer2016_Femke Thon & Jolien Gay_V2.4.pptx
@@ -212,7 +212,7 @@
             <a:fld id="{31638245-5222-4875-B595-DAA9E1B2F047}" type="datetimeFigureOut">
               <a:rPr lang="en-GB" smtClean="0"/>
               <a:pPr/>
-              <a:t>19/05/2016</a:t>
+              <a:t>20/05/2016</a:t>
             </a:fld>
             <a:endParaRPr lang="en-GB"/>
           </a:p>
@@ -1438,7 +1438,7 @@
             <a:fld id="{1D8BD707-D9CF-40AE-B4C6-C98DA3205C09}" type="datetimeFigureOut">
               <a:rPr lang="en-US" smtClean="0"/>
               <a:pPr/>
-              <a:t>5/19/2016</a:t>
+              <a:t>5/20/2016</a:t>
             </a:fld>
             <a:endParaRPr lang="en-US"/>
           </a:p>
@@ -1605,7 +1605,7 @@
             <a:fld id="{1D8BD707-D9CF-40AE-B4C6-C98DA3205C09}" type="datetimeFigureOut">
               <a:rPr lang="en-US" smtClean="0"/>
               <a:pPr/>
-              <a:t>5/19/2016</a:t>
+              <a:t>5/20/2016</a:t>
             </a:fld>
             <a:endParaRPr lang="en-US"/>
           </a:p>
@@ -1782,7 +1782,7 @@
             <a:fld id="{1D8BD707-D9CF-40AE-B4C6-C98DA3205C09}" type="datetimeFigureOut">
               <a:rPr lang="en-US" smtClean="0"/>
               <a:pPr/>
-              <a:t>5/19/2016</a:t>
+              <a:t>5/20/2016</a:t>
             </a:fld>
             <a:endParaRPr lang="en-US"/>
           </a:p>
@@ -1949,7 +1949,7 @@
             <a:fld id="{1D8BD707-D9CF-40AE-B4C6-C98DA3205C09}" type="datetimeFigureOut">
               <a:rPr lang="en-US" smtClean="0"/>
               <a:pPr/>
-              <a:t>5/19/2016</a:t>
+              <a:t>5/20/2016</a:t>
             </a:fld>
             <a:endParaRPr lang="en-US"/>
           </a:p>
@@ -2192,7 +2192,7 @@
             <a:fld id="{1D8BD707-D9CF-40AE-B4C6-C98DA3205C09}" type="datetimeFigureOut">
               <a:rPr lang="en-US" smtClean="0"/>
               <a:pPr/>
-              <a:t>5/19/2016</a:t>
+              <a:t>5/20/2016</a:t>
             </a:fld>
             <a:endParaRPr lang="en-US"/>
           </a:p>
@@ -2477,7 +2477,7 @@
             <a:fld id="{1D8BD707-D9CF-40AE-B4C6-C98DA3205C09}" type="datetimeFigureOut">
               <a:rPr lang="en-US" smtClean="0"/>
               <a:pPr/>
-              <a:t>5/19/2016</a:t>
+              <a:t>5/20/2016</a:t>
             </a:fld>
             <a:endParaRPr lang="en-US"/>
           </a:p>
@@ -2896,7 +2896,7 @@
             <a:fld id="{1D8BD707-D9CF-40AE-B4C6-C98DA3205C09}" type="datetimeFigureOut">
               <a:rPr lang="en-US" smtClean="0"/>
               <a:pPr/>
-              <a:t>5/19/2016</a:t>
+              <a:t>5/20/2016</a:t>
             </a:fld>
             <a:endParaRPr lang="en-US"/>
           </a:p>
@@ -3011,7 +3011,7 @@
             <a:fld id="{1D8BD707-D9CF-40AE-B4C6-C98DA3205C09}" type="datetimeFigureOut">
               <a:rPr lang="en-US" smtClean="0"/>
               <a:pPr/>
-              <a:t>5/19/2016</a:t>
+              <a:t>5/20/2016</a:t>
             </a:fld>
             <a:endParaRPr lang="en-US"/>
           </a:p>
@@ -3103,7 +3103,7 @@
             <a:fld id="{1D8BD707-D9CF-40AE-B4C6-C98DA3205C09}" type="datetimeFigureOut">
               <a:rPr lang="en-US" smtClean="0"/>
               <a:pPr/>
-              <a:t>5/19/2016</a:t>
+              <a:t>5/20/2016</a:t>
             </a:fld>
             <a:endParaRPr lang="en-US"/>
           </a:p>
@@ -3377,7 +3377,7 @@
             <a:fld id="{1D8BD707-D9CF-40AE-B4C6-C98DA3205C09}" type="datetimeFigureOut">
               <a:rPr lang="en-US" smtClean="0"/>
               <a:pPr/>
-              <a:t>5/19/2016</a:t>
+              <a:t>5/20/2016</a:t>
             </a:fld>
             <a:endParaRPr lang="en-US"/>
           </a:p>
@@ -3627,7 +3627,7 @@
             <a:fld id="{1D8BD707-D9CF-40AE-B4C6-C98DA3205C09}" type="datetimeFigureOut">
               <a:rPr lang="en-US" smtClean="0"/>
               <a:pPr/>
-              <a:t>5/19/2016</a:t>
+              <a:t>5/20/2016</a:t>
             </a:fld>
             <a:endParaRPr lang="en-US"/>
           </a:p>
@@ -3837,7 +3837,7 @@
             <a:fld id="{1D8BD707-D9CF-40AE-B4C6-C98DA3205C09}" type="datetimeFigureOut">
               <a:rPr lang="en-US" smtClean="0"/>
               <a:pPr/>
-              <a:t>5/19/2016</a:t>
+              <a:t>5/20/2016</a:t>
             </a:fld>
             <a:endParaRPr lang="en-US"/>
           </a:p>
@@ -10944,13 +10944,8 @@
             </a:pPr>
             <a:r>
               <a:rPr lang="en-GB" sz="2400" dirty="0" smtClean="0"/>
-              <a:t>Simulate incipient tree / parameter file (2x)</a:t>
-            </a:r>
-          </a:p>
-          <a:p>
-            <a:pPr>
-              <a:buNone/>
-            </a:pPr>
+              <a:t>Simulate incipient tree / parameter file </a:t>
+            </a:r>
             <a:endParaRPr lang="en-GB" sz="2400" dirty="0"/>
           </a:p>
         </p:txBody>

--- a/doc/Cer2016_Femke Thon & Jolien Gay_V2.4.pptx
+++ b/doc/Cer2016_Femke Thon & Jolien Gay_V2.4.pptx
@@ -16,18 +16,18 @@
     <p:sldId id="266" r:id="rId7"/>
     <p:sldId id="258" r:id="rId8"/>
     <p:sldId id="277" r:id="rId9"/>
-    <p:sldId id="267" r:id="rId10"/>
-    <p:sldId id="268" r:id="rId11"/>
-    <p:sldId id="269" r:id="rId12"/>
-    <p:sldId id="270" r:id="rId13"/>
-    <p:sldId id="271" r:id="rId14"/>
-    <p:sldId id="273" r:id="rId15"/>
-    <p:sldId id="259" r:id="rId16"/>
-    <p:sldId id="274" r:id="rId17"/>
-    <p:sldId id="260" r:id="rId18"/>
-    <p:sldId id="261" r:id="rId19"/>
-    <p:sldId id="265" r:id="rId20"/>
-    <p:sldId id="275" r:id="rId21"/>
+    <p:sldId id="273" r:id="rId10"/>
+    <p:sldId id="259" r:id="rId11"/>
+    <p:sldId id="274" r:id="rId12"/>
+    <p:sldId id="260" r:id="rId13"/>
+    <p:sldId id="261" r:id="rId14"/>
+    <p:sldId id="265" r:id="rId15"/>
+    <p:sldId id="275" r:id="rId16"/>
+    <p:sldId id="278" r:id="rId17"/>
+    <p:sldId id="279" r:id="rId18"/>
+    <p:sldId id="280" r:id="rId19"/>
+    <p:sldId id="281" r:id="rId20"/>
+    <p:sldId id="282" r:id="rId21"/>
   </p:sldIdLst>
   <p:sldSz cx="9144000" cy="6858000" type="screen4x3"/>
   <p:notesSz cx="6858000" cy="9144000"/>
@@ -610,6 +610,28 @@
           </a:bodyPr>
           <a:lstStyle/>
           <a:p>
+            <a:r>
+              <a:rPr lang="nl-NL" dirty="0" smtClean="0"/>
+              <a:t>POSSIBLE QUESTIONS?:</a:t>
+            </a:r>
+          </a:p>
+          <a:p>
+            <a:r>
+              <a:rPr lang="nl-NL" dirty="0" smtClean="0"/>
+              <a:t>Q1:</a:t>
+            </a:r>
+            <a:r>
+              <a:rPr lang="nl-NL" baseline="0" dirty="0" smtClean="0"/>
+              <a:t> Why did you use an outgroup?</a:t>
+            </a:r>
+          </a:p>
+          <a:p>
+            <a:r>
+              <a:rPr lang="nl-NL" baseline="0" dirty="0" smtClean="0"/>
+              <a:t>Q2: Are the used summary statistics the best, and why?</a:t>
+            </a:r>
+          </a:p>
+          <a:p>
             <a:endParaRPr lang="en-GB" dirty="0"/>
           </a:p>
         </p:txBody>
@@ -632,7 +654,7 @@
             <a:fld id="{9BBE7A90-5B18-44E6-896F-B56F6E25EE11}" type="slidenum">
               <a:rPr lang="en-GB" smtClean="0"/>
               <a:pPr/>
-              <a:t>9</a:t>
+              <a:t>13</a:t>
             </a:fld>
             <a:endParaRPr lang="en-GB"/>
           </a:p>
@@ -692,20 +714,6 @@
           </a:bodyPr>
           <a:lstStyle/>
           <a:p>
-            <a:r>
-              <a:rPr lang="nl-NL" dirty="0" smtClean="0"/>
-              <a:t>Outgroup may be unnecessary.</a:t>
-            </a:r>
-            <a:r>
-              <a:rPr lang="nl-NL" baseline="0" dirty="0" smtClean="0"/>
-              <a:t> Constant clock rate used.</a:t>
-            </a:r>
-            <a:endParaRPr lang="nl-NL" dirty="0" smtClean="0"/>
-          </a:p>
-          <a:p>
-            <a:endParaRPr lang="nl-NL" dirty="0" smtClean="0"/>
-          </a:p>
-          <a:p>
             <a:endParaRPr lang="en-GB" dirty="0"/>
           </a:p>
         </p:txBody>
@@ -728,7 +736,7 @@
             <a:fld id="{9BBE7A90-5B18-44E6-896F-B56F6E25EE11}" type="slidenum">
               <a:rPr lang="en-GB" smtClean="0"/>
               <a:pPr/>
-              <a:t>10</a:t>
+              <a:t>14</a:t>
             </a:fld>
             <a:endParaRPr lang="en-GB"/>
           </a:p>
@@ -810,7 +818,7 @@
             <a:fld id="{9BBE7A90-5B18-44E6-896F-B56F6E25EE11}" type="slidenum">
               <a:rPr lang="en-GB" smtClean="0"/>
               <a:pPr/>
-              <a:t>11</a:t>
+              <a:t>15</a:t>
             </a:fld>
             <a:endParaRPr lang="en-GB"/>
           </a:p>
@@ -892,7 +900,7 @@
             <a:fld id="{9BBE7A90-5B18-44E6-896F-B56F6E25EE11}" type="slidenum">
               <a:rPr lang="en-GB" smtClean="0"/>
               <a:pPr/>
-              <a:t>12</a:t>
+              <a:t>16</a:t>
             </a:fld>
             <a:endParaRPr lang="en-GB"/>
           </a:p>
@@ -952,6 +960,20 @@
           </a:bodyPr>
           <a:lstStyle/>
           <a:p>
+            <a:r>
+              <a:rPr lang="nl-NL" dirty="0" smtClean="0"/>
+              <a:t>Outgroup may be unnecessary.</a:t>
+            </a:r>
+            <a:r>
+              <a:rPr lang="nl-NL" baseline="0" dirty="0" smtClean="0"/>
+              <a:t> Constant clock rate used.</a:t>
+            </a:r>
+            <a:endParaRPr lang="nl-NL" dirty="0" smtClean="0"/>
+          </a:p>
+          <a:p>
+            <a:endParaRPr lang="nl-NL" dirty="0" smtClean="0"/>
+          </a:p>
+          <a:p>
             <a:endParaRPr lang="en-GB" dirty="0"/>
           </a:p>
         </p:txBody>
@@ -974,7 +996,7 @@
             <a:fld id="{9BBE7A90-5B18-44E6-896F-B56F6E25EE11}" type="slidenum">
               <a:rPr lang="en-GB" smtClean="0"/>
               <a:pPr/>
-              <a:t>13</a:t>
+              <a:t>17</a:t>
             </a:fld>
             <a:endParaRPr lang="en-GB"/>
           </a:p>
@@ -1033,28 +1055,6 @@
             <a:normAutofit/>
           </a:bodyPr>
           <a:lstStyle/>
-          <a:p>
-            <a:r>
-              <a:rPr lang="nl-NL" dirty="0" smtClean="0"/>
-              <a:t>POSSIBLE QUESTIONS?:</a:t>
-            </a:r>
-          </a:p>
-          <a:p>
-            <a:r>
-              <a:rPr lang="nl-NL" dirty="0" smtClean="0"/>
-              <a:t>Q1:</a:t>
-            </a:r>
-            <a:r>
-              <a:rPr lang="nl-NL" baseline="0" dirty="0" smtClean="0"/>
-              <a:t> Why did you use an outgroup?</a:t>
-            </a:r>
-          </a:p>
-          <a:p>
-            <a:r>
-              <a:rPr lang="nl-NL" baseline="0" dirty="0" smtClean="0"/>
-              <a:t>Q2: Are the used summary statistics the best, and why?</a:t>
-            </a:r>
-          </a:p>
           <a:p>
             <a:endParaRPr lang="en-GB" dirty="0"/>
           </a:p>
@@ -4406,6 +4406,1412 @@
           <a:chExt cx="0" cy="0"/>
         </a:xfrm>
       </p:grpSpPr>
+      <p:sp>
+        <p:nvSpPr>
+          <p:cNvPr id="2" name="Title 1"/>
+          <p:cNvSpPr>
+            <a:spLocks noGrp="1"/>
+          </p:cNvSpPr>
+          <p:nvPr>
+            <p:ph type="title"/>
+          </p:nvPr>
+        </p:nvSpPr>
+        <p:spPr/>
+        <p:txBody>
+          <a:bodyPr/>
+          <a:lstStyle/>
+          <a:p>
+            <a:r>
+              <a:rPr lang="en-GB" dirty="0" smtClean="0"/>
+              <a:t>Results</a:t>
+            </a:r>
+            <a:endParaRPr lang="en-GB" dirty="0"/>
+          </a:p>
+        </p:txBody>
+      </p:sp>
+      <p:sp>
+        <p:nvSpPr>
+          <p:cNvPr id="3" name="Content Placeholder 2"/>
+          <p:cNvSpPr>
+            <a:spLocks noGrp="1"/>
+          </p:cNvSpPr>
+          <p:nvPr>
+            <p:ph idx="1"/>
+          </p:nvPr>
+        </p:nvSpPr>
+        <p:spPr/>
+        <p:txBody>
+          <a:bodyPr>
+            <a:normAutofit/>
+          </a:bodyPr>
+          <a:lstStyle/>
+          <a:p>
+            <a:pPr>
+              <a:buNone/>
+            </a:pPr>
+            <a:r>
+              <a:rPr lang="en-GB" sz="2800" dirty="0" smtClean="0"/>
+              <a:t>Distribution of gamma statistics</a:t>
+            </a:r>
+            <a:endParaRPr lang="en-GB" sz="2800" dirty="0"/>
+          </a:p>
+        </p:txBody>
+      </p:sp>
+      <p:pic>
+        <p:nvPicPr>
+          <p:cNvPr id="1026" name="Picture 2" descr="C:\Users\Aline\Dropbox\RUG 2015-2016\1.9 Community eclogy research\4. Poster_presentation\Photo's\distribution of gamma statistics_species trees.png"/>
+          <p:cNvPicPr>
+            <a:picLocks noChangeAspect="1" noChangeArrowheads="1"/>
+          </p:cNvPicPr>
+          <p:nvPr/>
+        </p:nvPicPr>
+        <p:blipFill>
+          <a:blip r:embed="rId2" cstate="print"/>
+          <a:srcRect/>
+          <a:stretch>
+            <a:fillRect/>
+          </a:stretch>
+        </p:blipFill>
+        <p:spPr bwMode="auto">
+          <a:xfrm>
+            <a:off x="152400" y="2590800"/>
+            <a:ext cx="4468611" cy="3048000"/>
+          </a:xfrm>
+          <a:prstGeom prst="rect">
+            <a:avLst/>
+          </a:prstGeom>
+          <a:noFill/>
+        </p:spPr>
+      </p:pic>
+      <p:pic>
+        <p:nvPicPr>
+          <p:cNvPr id="1027" name="Picture 3" descr="C:\Users\Aline\Dropbox\RUG 2015-2016\1.9 Community eclogy research\4. Poster_presentation\Photo's\distribution of gamma statistics_posterior.png"/>
+          <p:cNvPicPr>
+            <a:picLocks noChangeAspect="1" noChangeArrowheads="1"/>
+          </p:cNvPicPr>
+          <p:nvPr/>
+        </p:nvPicPr>
+        <p:blipFill>
+          <a:blip r:embed="rId3" cstate="print"/>
+          <a:srcRect/>
+          <a:stretch>
+            <a:fillRect/>
+          </a:stretch>
+        </p:blipFill>
+        <p:spPr bwMode="auto">
+          <a:xfrm>
+            <a:off x="4495800" y="2590800"/>
+            <a:ext cx="4393000" cy="3048000"/>
+          </a:xfrm>
+          <a:prstGeom prst="rect">
+            <a:avLst/>
+          </a:prstGeom>
+          <a:noFill/>
+        </p:spPr>
+      </p:pic>
+    </p:spTree>
+  </p:cSld>
+  <p:clrMapOvr>
+    <a:masterClrMapping/>
+  </p:clrMapOvr>
+  <p:timing>
+    <p:tnLst>
+      <p:par>
+        <p:cTn id="1" dur="indefinite" restart="never" nodeType="tmRoot"/>
+      </p:par>
+    </p:tnLst>
+  </p:timing>
+</p:sld>
+</file>
+
+<file path=ppt/slides/slide11.xml><?xml version="1.0" encoding="utf-8"?>
+<p:sld xmlns:a="http://schemas.openxmlformats.org/drawingml/2006/main" xmlns:r="http://schemas.openxmlformats.org/officeDocument/2006/relationships" xmlns:p="http://schemas.openxmlformats.org/presentationml/2006/main">
+  <p:cSld>
+    <p:spTree>
+      <p:nvGrpSpPr>
+        <p:cNvPr id="1" name=""/>
+        <p:cNvGrpSpPr/>
+        <p:nvPr/>
+      </p:nvGrpSpPr>
+      <p:grpSpPr>
+        <a:xfrm>
+          <a:off x="0" y="0"/>
+          <a:ext cx="0" cy="0"/>
+          <a:chOff x="0" y="0"/>
+          <a:chExt cx="0" cy="0"/>
+        </a:xfrm>
+      </p:grpSpPr>
+      <p:sp>
+        <p:nvSpPr>
+          <p:cNvPr id="2" name="Title 1"/>
+          <p:cNvSpPr>
+            <a:spLocks noGrp="1"/>
+          </p:cNvSpPr>
+          <p:nvPr>
+            <p:ph type="title"/>
+          </p:nvPr>
+        </p:nvSpPr>
+        <p:spPr/>
+        <p:txBody>
+          <a:bodyPr/>
+          <a:lstStyle/>
+          <a:p>
+            <a:r>
+              <a:rPr lang="en-GB" dirty="0" smtClean="0"/>
+              <a:t>Results</a:t>
+            </a:r>
+            <a:endParaRPr lang="en-GB" dirty="0"/>
+          </a:p>
+        </p:txBody>
+      </p:sp>
+      <p:sp>
+        <p:nvSpPr>
+          <p:cNvPr id="3" name="Content Placeholder 2"/>
+          <p:cNvSpPr>
+            <a:spLocks noGrp="1"/>
+          </p:cNvSpPr>
+          <p:nvPr>
+            <p:ph idx="1"/>
+          </p:nvPr>
+        </p:nvSpPr>
+        <p:spPr/>
+        <p:txBody>
+          <a:bodyPr>
+            <a:normAutofit/>
+          </a:bodyPr>
+          <a:lstStyle/>
+          <a:p>
+            <a:pPr>
+              <a:buNone/>
+            </a:pPr>
+            <a:r>
+              <a:rPr lang="en-GB" sz="2800" dirty="0" smtClean="0"/>
+              <a:t>Distribution of ... </a:t>
+            </a:r>
+            <a:endParaRPr lang="en-GB" sz="2800" dirty="0"/>
+          </a:p>
+        </p:txBody>
+      </p:sp>
+    </p:spTree>
+  </p:cSld>
+  <p:clrMapOvr>
+    <a:masterClrMapping/>
+  </p:clrMapOvr>
+  <p:timing>
+    <p:tnLst>
+      <p:par>
+        <p:cTn id="1" dur="indefinite" restart="never" nodeType="tmRoot"/>
+      </p:par>
+    </p:tnLst>
+  </p:timing>
+</p:sld>
+</file>
+
+<file path=ppt/slides/slide12.xml><?xml version="1.0" encoding="utf-8"?>
+<p:sld xmlns:a="http://schemas.openxmlformats.org/drawingml/2006/main" xmlns:r="http://schemas.openxmlformats.org/officeDocument/2006/relationships" xmlns:p="http://schemas.openxmlformats.org/presentationml/2006/main">
+  <p:cSld>
+    <p:spTree>
+      <p:nvGrpSpPr>
+        <p:cNvPr id="1" name=""/>
+        <p:cNvGrpSpPr/>
+        <p:nvPr/>
+      </p:nvGrpSpPr>
+      <p:grpSpPr>
+        <a:xfrm>
+          <a:off x="0" y="0"/>
+          <a:ext cx="0" cy="0"/>
+          <a:chOff x="0" y="0"/>
+          <a:chExt cx="0" cy="0"/>
+        </a:xfrm>
+      </p:grpSpPr>
+      <p:sp>
+        <p:nvSpPr>
+          <p:cNvPr id="2" name="Title 1"/>
+          <p:cNvSpPr>
+            <a:spLocks noGrp="1"/>
+          </p:cNvSpPr>
+          <p:nvPr>
+            <p:ph type="title"/>
+          </p:nvPr>
+        </p:nvSpPr>
+        <p:spPr/>
+        <p:txBody>
+          <a:bodyPr/>
+          <a:lstStyle/>
+          <a:p>
+            <a:r>
+              <a:rPr lang="en-GB" dirty="0" smtClean="0"/>
+              <a:t>Discussion &amp; Conclusions</a:t>
+            </a:r>
+            <a:endParaRPr lang="en-GB" dirty="0"/>
+          </a:p>
+        </p:txBody>
+      </p:sp>
+      <p:sp>
+        <p:nvSpPr>
+          <p:cNvPr id="3" name="Content Placeholder 2"/>
+          <p:cNvSpPr>
+            <a:spLocks noGrp="1"/>
+          </p:cNvSpPr>
+          <p:nvPr>
+            <p:ph idx="1"/>
+          </p:nvPr>
+        </p:nvSpPr>
+        <p:spPr/>
+        <p:txBody>
+          <a:bodyPr>
+            <a:normAutofit/>
+          </a:bodyPr>
+          <a:lstStyle/>
+          <a:p>
+            <a:pPr>
+              <a:buNone/>
+            </a:pPr>
+            <a:r>
+              <a:rPr lang="en-GB" sz="2800" dirty="0" smtClean="0"/>
+              <a:t>Error gamma statistics: substantial</a:t>
+            </a:r>
+          </a:p>
+          <a:p>
+            <a:pPr lvl="1"/>
+            <a:r>
+              <a:rPr lang="en-GB" sz="2400" dirty="0" smtClean="0"/>
+              <a:t>Correct gamma statistics used?</a:t>
+            </a:r>
+          </a:p>
+          <a:p>
+            <a:pPr lvl="1"/>
+            <a:endParaRPr lang="nl-NL" sz="2400" dirty="0" smtClean="0"/>
+          </a:p>
+          <a:p>
+            <a:pPr lvl="1"/>
+            <a:endParaRPr lang="en-GB" sz="2400" dirty="0" smtClean="0"/>
+          </a:p>
+          <a:p>
+            <a:pPr>
+              <a:buNone/>
+            </a:pPr>
+            <a:r>
+              <a:rPr lang="en-GB" sz="2800" dirty="0" smtClean="0"/>
+              <a:t>Error ....: ??</a:t>
+            </a:r>
+            <a:endParaRPr lang="en-GB" sz="2800" dirty="0"/>
+          </a:p>
+        </p:txBody>
+      </p:sp>
+    </p:spTree>
+  </p:cSld>
+  <p:clrMapOvr>
+    <a:masterClrMapping/>
+  </p:clrMapOvr>
+</p:sld>
+</file>
+
+<file path=ppt/slides/slide13.xml><?xml version="1.0" encoding="utf-8"?>
+<p:sld xmlns:a="http://schemas.openxmlformats.org/drawingml/2006/main" xmlns:r="http://schemas.openxmlformats.org/officeDocument/2006/relationships" xmlns:p="http://schemas.openxmlformats.org/presentationml/2006/main">
+  <p:cSld>
+    <p:spTree>
+      <p:nvGrpSpPr>
+        <p:cNvPr id="1" name=""/>
+        <p:cNvGrpSpPr/>
+        <p:nvPr/>
+      </p:nvGrpSpPr>
+      <p:grpSpPr>
+        <a:xfrm>
+          <a:off x="0" y="0"/>
+          <a:ext cx="0" cy="0"/>
+          <a:chOff x="0" y="0"/>
+          <a:chExt cx="0" cy="0"/>
+        </a:xfrm>
+      </p:grpSpPr>
+      <p:sp>
+        <p:nvSpPr>
+          <p:cNvPr id="2" name="Title 1"/>
+          <p:cNvSpPr>
+            <a:spLocks noGrp="1"/>
+          </p:cNvSpPr>
+          <p:nvPr>
+            <p:ph type="title"/>
+          </p:nvPr>
+        </p:nvSpPr>
+        <p:spPr/>
+        <p:txBody>
+          <a:bodyPr/>
+          <a:lstStyle/>
+          <a:p>
+            <a:r>
+              <a:rPr lang="en-GB" dirty="0" smtClean="0"/>
+              <a:t>Questions?</a:t>
+            </a:r>
+            <a:endParaRPr lang="en-GB" dirty="0"/>
+          </a:p>
+        </p:txBody>
+      </p:sp>
+    </p:spTree>
+  </p:cSld>
+  <p:clrMapOvr>
+    <a:masterClrMapping/>
+  </p:clrMapOvr>
+</p:sld>
+</file>
+
+<file path=ppt/slides/slide14.xml><?xml version="1.0" encoding="utf-8"?>
+<p:sld xmlns:a="http://schemas.openxmlformats.org/drawingml/2006/main" xmlns:r="http://schemas.openxmlformats.org/officeDocument/2006/relationships" xmlns:p="http://schemas.openxmlformats.org/presentationml/2006/main">
+  <p:cSld>
+    <p:spTree>
+      <p:nvGrpSpPr>
+        <p:cNvPr id="1" name=""/>
+        <p:cNvGrpSpPr/>
+        <p:nvPr/>
+      </p:nvGrpSpPr>
+      <p:grpSpPr>
+        <a:xfrm>
+          <a:off x="0" y="0"/>
+          <a:ext cx="0" cy="0"/>
+          <a:chOff x="0" y="0"/>
+          <a:chExt cx="0" cy="0"/>
+        </a:xfrm>
+      </p:grpSpPr>
+      <p:pic>
+        <p:nvPicPr>
+          <p:cNvPr id="1028" name="Picture 4" descr="C:\Users\Aline\Dropbox\RUG 2015-2016\1.9 Community eclogy research\4. Poster_presentation\Photo's\BayesianApproach.png"/>
+          <p:cNvPicPr>
+            <a:picLocks noChangeAspect="1" noChangeArrowheads="1"/>
+          </p:cNvPicPr>
+          <p:nvPr/>
+        </p:nvPicPr>
+        <p:blipFill>
+          <a:blip r:embed="rId3" cstate="print"/>
+          <a:srcRect/>
+          <a:stretch>
+            <a:fillRect/>
+          </a:stretch>
+        </p:blipFill>
+        <p:spPr bwMode="auto">
+          <a:xfrm>
+            <a:off x="1600200" y="3352800"/>
+            <a:ext cx="5640946" cy="914400"/>
+          </a:xfrm>
+          <a:prstGeom prst="rect">
+            <a:avLst/>
+          </a:prstGeom>
+          <a:noFill/>
+        </p:spPr>
+      </p:pic>
+      <p:sp>
+        <p:nvSpPr>
+          <p:cNvPr id="2" name="Title 1"/>
+          <p:cNvSpPr>
+            <a:spLocks noGrp="1"/>
+          </p:cNvSpPr>
+          <p:nvPr>
+            <p:ph type="title"/>
+          </p:nvPr>
+        </p:nvSpPr>
+        <p:spPr/>
+        <p:txBody>
+          <a:bodyPr/>
+          <a:lstStyle/>
+          <a:p>
+            <a:r>
+              <a:rPr lang="en-GB" dirty="0" smtClean="0"/>
+              <a:t>BEAST2</a:t>
+            </a:r>
+            <a:endParaRPr lang="en-GB" dirty="0"/>
+          </a:p>
+        </p:txBody>
+      </p:sp>
+      <p:sp>
+        <p:nvSpPr>
+          <p:cNvPr id="3" name="Content Placeholder 2"/>
+          <p:cNvSpPr>
+            <a:spLocks noGrp="1"/>
+          </p:cNvSpPr>
+          <p:nvPr>
+            <p:ph idx="1"/>
+          </p:nvPr>
+        </p:nvSpPr>
+        <p:spPr>
+          <a:noFill/>
+        </p:spPr>
+        <p:txBody>
+          <a:bodyPr>
+            <a:normAutofit/>
+          </a:bodyPr>
+          <a:lstStyle/>
+          <a:p>
+            <a:pPr lvl="1"/>
+            <a:r>
+              <a:rPr lang="en-GB" sz="2400" dirty="0" smtClean="0"/>
+              <a:t>Bayesian statistics</a:t>
+            </a:r>
+          </a:p>
+          <a:p>
+            <a:pPr lvl="2">
+              <a:buNone/>
+            </a:pPr>
+            <a:r>
+              <a:rPr lang="nl-NL" sz="2000" dirty="0" smtClean="0"/>
+              <a:t>MCMC</a:t>
+            </a:r>
+          </a:p>
+          <a:p>
+            <a:pPr lvl="2">
+              <a:buNone/>
+            </a:pPr>
+            <a:endParaRPr lang="nl-NL" sz="2000" dirty="0" smtClean="0"/>
+          </a:p>
+          <a:p>
+            <a:pPr lvl="2">
+              <a:buNone/>
+            </a:pPr>
+            <a:endParaRPr lang="nl-NL" sz="2000" dirty="0" smtClean="0"/>
+          </a:p>
+          <a:p>
+            <a:pPr lvl="2">
+              <a:buNone/>
+            </a:pPr>
+            <a:endParaRPr lang="nl-NL" sz="2000" dirty="0" smtClean="0"/>
+          </a:p>
+          <a:p>
+            <a:pPr lvl="2">
+              <a:buNone/>
+            </a:pPr>
+            <a:endParaRPr lang="nl-NL" sz="2000" dirty="0" smtClean="0"/>
+          </a:p>
+          <a:p>
+            <a:pPr lvl="2">
+              <a:buNone/>
+            </a:pPr>
+            <a:endParaRPr lang="nl-NL" sz="2000" dirty="0" smtClean="0"/>
+          </a:p>
+          <a:p>
+            <a:pPr lvl="2">
+              <a:buNone/>
+            </a:pPr>
+            <a:endParaRPr lang="nl-NL" sz="2000" dirty="0" smtClean="0"/>
+          </a:p>
+          <a:p>
+            <a:pPr lvl="2">
+              <a:buNone/>
+            </a:pPr>
+            <a:endParaRPr lang="nl-NL" sz="2000" dirty="0" smtClean="0"/>
+          </a:p>
+          <a:p>
+            <a:pPr lvl="1"/>
+            <a:r>
+              <a:rPr lang="nl-NL" sz="2400" dirty="0" smtClean="0"/>
+              <a:t>Multiple speciation models can be applied</a:t>
+            </a:r>
+          </a:p>
+          <a:p>
+            <a:pPr lvl="2">
+              <a:buNone/>
+            </a:pPr>
+            <a:r>
+              <a:rPr lang="nl-NL" sz="2000" dirty="0" smtClean="0"/>
+              <a:t>All assume </a:t>
+            </a:r>
+            <a:r>
+              <a:rPr lang="nl-NL" sz="2000" u="sng" dirty="0" smtClean="0"/>
+              <a:t>instant speciation</a:t>
+            </a:r>
+            <a:endParaRPr lang="en-GB" sz="2000" u="sng" dirty="0" smtClean="0"/>
+          </a:p>
+          <a:p>
+            <a:pPr>
+              <a:buNone/>
+            </a:pPr>
+            <a:endParaRPr lang="en-GB" dirty="0"/>
+          </a:p>
+        </p:txBody>
+      </p:sp>
+      <p:sp>
+        <p:nvSpPr>
+          <p:cNvPr id="16" name="Rectangular Callout 15"/>
+          <p:cNvSpPr/>
+          <p:nvPr/>
+        </p:nvSpPr>
+        <p:spPr>
+          <a:xfrm>
+            <a:off x="3581400" y="3048000"/>
+            <a:ext cx="914400" cy="457200"/>
+          </a:xfrm>
+          <a:prstGeom prst="wedgeRectCallout">
+            <a:avLst/>
+          </a:prstGeom>
+          <a:noFill/>
+        </p:spPr>
+        <p:style>
+          <a:lnRef idx="2">
+            <a:schemeClr val="accent1">
+              <a:shade val="50000"/>
+            </a:schemeClr>
+          </a:lnRef>
+          <a:fillRef idx="1">
+            <a:schemeClr val="accent1"/>
+          </a:fillRef>
+          <a:effectRef idx="0">
+            <a:schemeClr val="accent1"/>
+          </a:effectRef>
+          <a:fontRef idx="minor">
+            <a:schemeClr val="lt1"/>
+          </a:fontRef>
+        </p:style>
+        <p:txBody>
+          <a:bodyPr rtlCol="0" anchor="ctr"/>
+          <a:lstStyle/>
+          <a:p>
+            <a:pPr algn="ctr"/>
+            <a:r>
+              <a:rPr lang="nl-NL" dirty="0" smtClean="0">
+                <a:solidFill>
+                  <a:schemeClr val="tx2">
+                    <a:lumMod val="75000"/>
+                  </a:schemeClr>
+                </a:solidFill>
+              </a:rPr>
+              <a:t>Prior</a:t>
+            </a:r>
+            <a:endParaRPr lang="en-GB" dirty="0">
+              <a:solidFill>
+                <a:schemeClr val="tx2">
+                  <a:lumMod val="75000"/>
+                </a:schemeClr>
+              </a:solidFill>
+            </a:endParaRPr>
+          </a:p>
+        </p:txBody>
+      </p:sp>
+      <p:sp>
+        <p:nvSpPr>
+          <p:cNvPr id="17" name="Rectangular Callout 16"/>
+          <p:cNvSpPr/>
+          <p:nvPr/>
+        </p:nvSpPr>
+        <p:spPr>
+          <a:xfrm>
+            <a:off x="5029200" y="3048000"/>
+            <a:ext cx="1143000" cy="457200"/>
+          </a:xfrm>
+          <a:prstGeom prst="wedgeRectCallout">
+            <a:avLst/>
+          </a:prstGeom>
+          <a:noFill/>
+          <a:ln>
+            <a:solidFill>
+              <a:schemeClr val="tx2">
+                <a:lumMod val="60000"/>
+                <a:lumOff val="40000"/>
+              </a:schemeClr>
+            </a:solidFill>
+          </a:ln>
+        </p:spPr>
+        <p:style>
+          <a:lnRef idx="2">
+            <a:schemeClr val="accent1">
+              <a:shade val="50000"/>
+            </a:schemeClr>
+          </a:lnRef>
+          <a:fillRef idx="1">
+            <a:schemeClr val="accent1"/>
+          </a:fillRef>
+          <a:effectRef idx="0">
+            <a:schemeClr val="accent1"/>
+          </a:effectRef>
+          <a:fontRef idx="minor">
+            <a:schemeClr val="lt1"/>
+          </a:fontRef>
+        </p:style>
+        <p:txBody>
+          <a:bodyPr rtlCol="0" anchor="ctr"/>
+          <a:lstStyle/>
+          <a:p>
+            <a:pPr algn="ctr"/>
+            <a:r>
+              <a:rPr lang="nl-NL" dirty="0" smtClean="0">
+                <a:solidFill>
+                  <a:schemeClr val="tx2">
+                    <a:lumMod val="60000"/>
+                    <a:lumOff val="40000"/>
+                  </a:schemeClr>
+                </a:solidFill>
+              </a:rPr>
+              <a:t>Likelihood</a:t>
+            </a:r>
+            <a:endParaRPr lang="en-GB" dirty="0">
+              <a:solidFill>
+                <a:schemeClr val="tx2">
+                  <a:lumMod val="60000"/>
+                  <a:lumOff val="40000"/>
+                </a:schemeClr>
+              </a:solidFill>
+            </a:endParaRPr>
+          </a:p>
+        </p:txBody>
+      </p:sp>
+      <p:sp>
+        <p:nvSpPr>
+          <p:cNvPr id="18" name="Rectangular Callout 17"/>
+          <p:cNvSpPr/>
+          <p:nvPr/>
+        </p:nvSpPr>
+        <p:spPr>
+          <a:xfrm>
+            <a:off x="4572000" y="4191000"/>
+            <a:ext cx="2133600" cy="381000"/>
+          </a:xfrm>
+          <a:prstGeom prst="wedgeRectCallout">
+            <a:avLst>
+              <a:gd name="adj1" fmla="val -18308"/>
+              <a:gd name="adj2" fmla="val -77976"/>
+            </a:avLst>
+          </a:prstGeom>
+          <a:noFill/>
+          <a:ln>
+            <a:solidFill>
+              <a:schemeClr val="tx2">
+                <a:lumMod val="60000"/>
+                <a:lumOff val="40000"/>
+              </a:schemeClr>
+            </a:solidFill>
+          </a:ln>
+        </p:spPr>
+        <p:style>
+          <a:lnRef idx="2">
+            <a:schemeClr val="accent1">
+              <a:shade val="50000"/>
+            </a:schemeClr>
+          </a:lnRef>
+          <a:fillRef idx="1">
+            <a:schemeClr val="accent1"/>
+          </a:fillRef>
+          <a:effectRef idx="0">
+            <a:schemeClr val="accent1"/>
+          </a:effectRef>
+          <a:fontRef idx="minor">
+            <a:schemeClr val="lt1"/>
+          </a:fontRef>
+        </p:style>
+        <p:txBody>
+          <a:bodyPr rtlCol="0" anchor="ctr"/>
+          <a:lstStyle/>
+          <a:p>
+            <a:pPr algn="ctr"/>
+            <a:r>
+              <a:rPr lang="nl-NL" dirty="0" smtClean="0">
+                <a:solidFill>
+                  <a:schemeClr val="tx2">
+                    <a:lumMod val="60000"/>
+                    <a:lumOff val="40000"/>
+                  </a:schemeClr>
+                </a:solidFill>
+              </a:rPr>
+              <a:t>Marginal probability</a:t>
+            </a:r>
+            <a:endParaRPr lang="en-GB" dirty="0">
+              <a:solidFill>
+                <a:schemeClr val="tx2">
+                  <a:lumMod val="60000"/>
+                  <a:lumOff val="40000"/>
+                </a:schemeClr>
+              </a:solidFill>
+            </a:endParaRPr>
+          </a:p>
+        </p:txBody>
+      </p:sp>
+      <p:sp>
+        <p:nvSpPr>
+          <p:cNvPr id="19" name="Rectangular Callout 18"/>
+          <p:cNvSpPr/>
+          <p:nvPr/>
+        </p:nvSpPr>
+        <p:spPr>
+          <a:xfrm>
+            <a:off x="1676400" y="3048000"/>
+            <a:ext cx="1066800" cy="533400"/>
+          </a:xfrm>
+          <a:prstGeom prst="wedgeRectCallout">
+            <a:avLst>
+              <a:gd name="adj1" fmla="val -20833"/>
+              <a:gd name="adj2" fmla="val 67262"/>
+            </a:avLst>
+          </a:prstGeom>
+          <a:noFill/>
+        </p:spPr>
+        <p:style>
+          <a:lnRef idx="2">
+            <a:schemeClr val="accent1">
+              <a:shade val="50000"/>
+            </a:schemeClr>
+          </a:lnRef>
+          <a:fillRef idx="1">
+            <a:schemeClr val="accent1"/>
+          </a:fillRef>
+          <a:effectRef idx="0">
+            <a:schemeClr val="accent1"/>
+          </a:effectRef>
+          <a:fontRef idx="minor">
+            <a:schemeClr val="lt1"/>
+          </a:fontRef>
+        </p:style>
+        <p:txBody>
+          <a:bodyPr rtlCol="0" anchor="ctr"/>
+          <a:lstStyle/>
+          <a:p>
+            <a:pPr algn="ctr"/>
+            <a:r>
+              <a:rPr lang="nl-NL" dirty="0" smtClean="0">
+                <a:solidFill>
+                  <a:schemeClr val="tx2">
+                    <a:lumMod val="75000"/>
+                  </a:schemeClr>
+                </a:solidFill>
+              </a:rPr>
+              <a:t>Posterior</a:t>
+            </a:r>
+            <a:endParaRPr lang="en-GB" dirty="0">
+              <a:solidFill>
+                <a:schemeClr val="tx2">
+                  <a:lumMod val="75000"/>
+                </a:schemeClr>
+              </a:solidFill>
+            </a:endParaRPr>
+          </a:p>
+        </p:txBody>
+      </p:sp>
+    </p:spTree>
+  </p:cSld>
+  <p:clrMapOvr>
+    <a:masterClrMapping/>
+  </p:clrMapOvr>
+</p:sld>
+</file>
+
+<file path=ppt/slides/slide15.xml><?xml version="1.0" encoding="utf-8"?>
+<p:sld xmlns:a="http://schemas.openxmlformats.org/drawingml/2006/main" xmlns:r="http://schemas.openxmlformats.org/officeDocument/2006/relationships" xmlns:p="http://schemas.openxmlformats.org/presentationml/2006/main">
+  <p:cSld>
+    <p:spTree>
+      <p:nvGrpSpPr>
+        <p:cNvPr id="1" name=""/>
+        <p:cNvGrpSpPr/>
+        <p:nvPr/>
+      </p:nvGrpSpPr>
+      <p:grpSpPr>
+        <a:xfrm>
+          <a:off x="0" y="0"/>
+          <a:ext cx="0" cy="0"/>
+          <a:chOff x="0" y="0"/>
+          <a:chExt cx="0" cy="0"/>
+        </a:xfrm>
+      </p:grpSpPr>
+      <p:sp>
+        <p:nvSpPr>
+          <p:cNvPr id="2" name="Title 1"/>
+          <p:cNvSpPr>
+            <a:spLocks noGrp="1"/>
+          </p:cNvSpPr>
+          <p:nvPr>
+            <p:ph type="title"/>
+          </p:nvPr>
+        </p:nvSpPr>
+        <p:spPr/>
+        <p:txBody>
+          <a:bodyPr/>
+          <a:lstStyle/>
+          <a:p>
+            <a:r>
+              <a:rPr lang="nl-NL" dirty="0" smtClean="0"/>
+              <a:t>GitHub</a:t>
+            </a:r>
+            <a:endParaRPr lang="en-GB" dirty="0"/>
+          </a:p>
+        </p:txBody>
+      </p:sp>
+      <p:pic>
+        <p:nvPicPr>
+          <p:cNvPr id="21505" name="Picture 1" descr="C:\Users\Aline\Dropbox\RUG 2015-2016\1.9 Community eclogy research\4. Poster_presentation\Photo's\RichelsGitHub.png"/>
+          <p:cNvPicPr>
+            <a:picLocks noChangeAspect="1" noChangeArrowheads="1"/>
+          </p:cNvPicPr>
+          <p:nvPr/>
+        </p:nvPicPr>
+        <p:blipFill>
+          <a:blip r:embed="rId3" cstate="print"/>
+          <a:srcRect/>
+          <a:stretch>
+            <a:fillRect/>
+          </a:stretch>
+        </p:blipFill>
+        <p:spPr bwMode="auto">
+          <a:xfrm>
+            <a:off x="228600" y="1219200"/>
+            <a:ext cx="4495800" cy="3114699"/>
+          </a:xfrm>
+          <a:prstGeom prst="rect">
+            <a:avLst/>
+          </a:prstGeom>
+          <a:noFill/>
+        </p:spPr>
+      </p:pic>
+    </p:spTree>
+  </p:cSld>
+  <p:clrMapOvr>
+    <a:masterClrMapping/>
+  </p:clrMapOvr>
+</p:sld>
+</file>
+
+<file path=ppt/slides/slide16.xml><?xml version="1.0" encoding="utf-8"?>
+<p:sld xmlns:a="http://schemas.openxmlformats.org/drawingml/2006/main" xmlns:r="http://schemas.openxmlformats.org/officeDocument/2006/relationships" xmlns:p="http://schemas.openxmlformats.org/presentationml/2006/main">
+  <p:cSld>
+    <p:spTree>
+      <p:nvGrpSpPr>
+        <p:cNvPr id="1" name=""/>
+        <p:cNvGrpSpPr/>
+        <p:nvPr/>
+      </p:nvGrpSpPr>
+      <p:grpSpPr>
+        <a:xfrm>
+          <a:off x="0" y="0"/>
+          <a:ext cx="0" cy="0"/>
+          <a:chOff x="0" y="0"/>
+          <a:chExt cx="0" cy="0"/>
+        </a:xfrm>
+      </p:grpSpPr>
+      <p:pic>
+        <p:nvPicPr>
+          <p:cNvPr id="5" name="Picture"/>
+          <p:cNvPicPr/>
+          <p:nvPr/>
+        </p:nvPicPr>
+        <p:blipFill>
+          <a:blip r:embed="rId3" cstate="print"/>
+          <a:stretch>
+            <a:fillRect/>
+          </a:stretch>
+        </p:blipFill>
+        <p:spPr bwMode="auto">
+          <a:xfrm>
+            <a:off x="381000" y="3276600"/>
+            <a:ext cx="3810000" cy="3429000"/>
+          </a:xfrm>
+          <a:prstGeom prst="rect">
+            <a:avLst/>
+          </a:prstGeom>
+          <a:noFill/>
+          <a:ln w="9525">
+            <a:noFill/>
+            <a:headEnd/>
+            <a:tailEnd/>
+          </a:ln>
+        </p:spPr>
+      </p:pic>
+      <p:sp>
+        <p:nvSpPr>
+          <p:cNvPr id="2" name="Title 1"/>
+          <p:cNvSpPr>
+            <a:spLocks noGrp="1"/>
+          </p:cNvSpPr>
+          <p:nvPr>
+            <p:ph type="title"/>
+          </p:nvPr>
+        </p:nvSpPr>
+        <p:spPr/>
+        <p:txBody>
+          <a:bodyPr>
+            <a:normAutofit/>
+          </a:bodyPr>
+          <a:lstStyle/>
+          <a:p>
+            <a:pPr lvl="1" algn="ctr" rtl="0">
+              <a:spcBef>
+                <a:spcPct val="0"/>
+              </a:spcBef>
+            </a:pPr>
+            <a:r>
+              <a:rPr lang="nl-NL" sz="2800" b="1" dirty="0" smtClean="0"/>
+              <a:t>1. </a:t>
+            </a:r>
+            <a:r>
+              <a:rPr lang="en-GB" sz="2800" dirty="0" smtClean="0"/>
+              <a:t>Start with ‘true’ species trees</a:t>
+            </a:r>
+            <a:endParaRPr lang="en-GB" sz="2800" dirty="0"/>
+          </a:p>
+        </p:txBody>
+      </p:sp>
+      <p:sp>
+        <p:nvSpPr>
+          <p:cNvPr id="3" name="Content Placeholder 2"/>
+          <p:cNvSpPr>
+            <a:spLocks noGrp="1"/>
+          </p:cNvSpPr>
+          <p:nvPr>
+            <p:ph idx="1"/>
+          </p:nvPr>
+        </p:nvSpPr>
+        <p:spPr>
+          <a:xfrm>
+            <a:off x="457200" y="1524000"/>
+            <a:ext cx="4876800" cy="2057400"/>
+          </a:xfrm>
+        </p:spPr>
+        <p:txBody>
+          <a:bodyPr>
+            <a:normAutofit/>
+          </a:bodyPr>
+          <a:lstStyle/>
+          <a:p>
+            <a:pPr>
+              <a:buFont typeface="Wingdings" pitchFamily="2" charset="2"/>
+              <a:buChar char="ü"/>
+            </a:pPr>
+            <a:r>
+              <a:rPr lang="en-GB" sz="2400" dirty="0" smtClean="0"/>
+              <a:t>Create parameter files</a:t>
+            </a:r>
+          </a:p>
+          <a:p>
+            <a:pPr>
+              <a:buFont typeface="Wingdings" pitchFamily="2" charset="2"/>
+              <a:buChar char="ü"/>
+            </a:pPr>
+            <a:r>
+              <a:rPr lang="en-GB" sz="2400" dirty="0" smtClean="0"/>
+              <a:t>Simulate incipient tree / parameter file </a:t>
+            </a:r>
+            <a:endParaRPr lang="en-GB" sz="2400" dirty="0"/>
+          </a:p>
+        </p:txBody>
+      </p:sp>
+      <p:pic>
+        <p:nvPicPr>
+          <p:cNvPr id="4" name="Picture 2" descr="C:\Users\Aline\Dropbox\RUG 2015-2016\1.9 Community eclogy research\4. Poster_presentation\Photo's\Parameter file example.png"/>
+          <p:cNvPicPr>
+            <a:picLocks noChangeAspect="1" noChangeArrowheads="1"/>
+          </p:cNvPicPr>
+          <p:nvPr/>
+        </p:nvPicPr>
+        <p:blipFill>
+          <a:blip r:embed="rId4" cstate="print"/>
+          <a:srcRect/>
+          <a:stretch>
+            <a:fillRect/>
+          </a:stretch>
+        </p:blipFill>
+        <p:spPr bwMode="auto">
+          <a:xfrm>
+            <a:off x="5486400" y="1295400"/>
+            <a:ext cx="3279314" cy="3400425"/>
+          </a:xfrm>
+          <a:prstGeom prst="rect">
+            <a:avLst/>
+          </a:prstGeom>
+          <a:noFill/>
+        </p:spPr>
+      </p:pic>
+      <p:pic>
+        <p:nvPicPr>
+          <p:cNvPr id="7" name="Picture"/>
+          <p:cNvPicPr/>
+          <p:nvPr/>
+        </p:nvPicPr>
+        <p:blipFill>
+          <a:blip r:embed="rId5" cstate="print"/>
+          <a:stretch>
+            <a:fillRect/>
+          </a:stretch>
+        </p:blipFill>
+        <p:spPr bwMode="auto">
+          <a:xfrm>
+            <a:off x="4800600" y="3048000"/>
+            <a:ext cx="3962400" cy="3352800"/>
+          </a:xfrm>
+          <a:prstGeom prst="rect">
+            <a:avLst/>
+          </a:prstGeom>
+          <a:noFill/>
+          <a:ln w="9525">
+            <a:noFill/>
+            <a:headEnd/>
+            <a:tailEnd/>
+          </a:ln>
+        </p:spPr>
+      </p:pic>
+      <p:sp>
+        <p:nvSpPr>
+          <p:cNvPr id="11" name="Right Arrow 10"/>
+          <p:cNvSpPr/>
+          <p:nvPr/>
+        </p:nvSpPr>
+        <p:spPr>
+          <a:xfrm>
+            <a:off x="4267200" y="4800600"/>
+            <a:ext cx="457200" cy="304800"/>
+          </a:xfrm>
+          <a:prstGeom prst="rightArrow">
+            <a:avLst/>
+          </a:prstGeom>
+        </p:spPr>
+        <p:style>
+          <a:lnRef idx="2">
+            <a:schemeClr val="accent1">
+              <a:shade val="50000"/>
+            </a:schemeClr>
+          </a:lnRef>
+          <a:fillRef idx="1">
+            <a:schemeClr val="accent1"/>
+          </a:fillRef>
+          <a:effectRef idx="0">
+            <a:schemeClr val="accent1"/>
+          </a:effectRef>
+          <a:fontRef idx="minor">
+            <a:schemeClr val="lt1"/>
+          </a:fontRef>
+        </p:style>
+        <p:txBody>
+          <a:bodyPr rtlCol="0" anchor="ctr"/>
+          <a:lstStyle/>
+          <a:p>
+            <a:pPr algn="ctr"/>
+            <a:endParaRPr lang="en-GB"/>
+          </a:p>
+        </p:txBody>
+      </p:sp>
+    </p:spTree>
+  </p:cSld>
+  <p:clrMapOvr>
+    <a:masterClrMapping/>
+  </p:clrMapOvr>
+  <p:timing>
+    <p:tnLst>
+      <p:par>
+        <p:cTn id="1" dur="indefinite" restart="never" nodeType="tmRoot">
+          <p:childTnLst>
+            <p:seq concurrent="1" nextAc="seek">
+              <p:cTn id="2" dur="indefinite" nodeType="mainSeq">
+                <p:childTnLst>
+                  <p:par>
+                    <p:cTn id="3" fill="hold">
+                      <p:stCondLst>
+                        <p:cond delay="indefinite"/>
+                        <p:cond evt="onBegin" delay="0">
+                          <p:tn val="2"/>
+                        </p:cond>
+                      </p:stCondLst>
+                      <p:childTnLst>
+                        <p:par>
+                          <p:cTn id="4" fill="hold">
+                            <p:stCondLst>
+                              <p:cond delay="0"/>
+                            </p:stCondLst>
+                            <p:childTnLst>
+                              <p:par>
+                                <p:cTn id="5" presetID="1" presetClass="entr" presetSubtype="0" fill="hold" grpId="0" nodeType="withEffect">
+                                  <p:stCondLst>
+                                    <p:cond delay="0"/>
+                                  </p:stCondLst>
+                                  <p:childTnLst>
+                                    <p:set>
+                                      <p:cBhvr>
+                                        <p:cTn id="6" dur="1" fill="hold">
+                                          <p:stCondLst>
+                                            <p:cond delay="0"/>
+                                          </p:stCondLst>
+                                        </p:cTn>
+                                        <p:tgtEl>
+                                          <p:spTgt spid="2"/>
+                                        </p:tgtEl>
+                                        <p:attrNameLst>
+                                          <p:attrName>style.visibility</p:attrName>
+                                        </p:attrNameLst>
+                                      </p:cBhvr>
+                                      <p:to>
+                                        <p:strVal val="visible"/>
+                                      </p:to>
+                                    </p:set>
+                                  </p:childTnLst>
+                                </p:cTn>
+                              </p:par>
+                            </p:childTnLst>
+                          </p:cTn>
+                        </p:par>
+                      </p:childTnLst>
+                    </p:cTn>
+                  </p:par>
+                  <p:par>
+                    <p:cTn id="7" fill="hold">
+                      <p:stCondLst>
+                        <p:cond delay="indefinite"/>
+                      </p:stCondLst>
+                      <p:childTnLst>
+                        <p:par>
+                          <p:cTn id="8" fill="hold">
+                            <p:stCondLst>
+                              <p:cond delay="0"/>
+                            </p:stCondLst>
+                            <p:childTnLst>
+                              <p:par>
+                                <p:cTn id="9" presetID="1" presetClass="entr" presetSubtype="0" fill="hold" grpId="0" nodeType="clickEffect">
+                                  <p:stCondLst>
+                                    <p:cond delay="0"/>
+                                  </p:stCondLst>
+                                  <p:childTnLst>
+                                    <p:set>
+                                      <p:cBhvr>
+                                        <p:cTn id="10" dur="1" fill="hold">
+                                          <p:stCondLst>
+                                            <p:cond delay="0"/>
+                                          </p:stCondLst>
+                                        </p:cTn>
+                                        <p:tgtEl>
+                                          <p:spTgt spid="3">
+                                            <p:txEl>
+                                              <p:pRg st="0" end="0"/>
+                                            </p:txEl>
+                                          </p:spTgt>
+                                        </p:tgtEl>
+                                        <p:attrNameLst>
+                                          <p:attrName>style.visibility</p:attrName>
+                                        </p:attrNameLst>
+                                      </p:cBhvr>
+                                      <p:to>
+                                        <p:strVal val="visible"/>
+                                      </p:to>
+                                    </p:set>
+                                  </p:childTnLst>
+                                </p:cTn>
+                              </p:par>
+                              <p:par>
+                                <p:cTn id="11" presetID="1" presetClass="entr" presetSubtype="0" fill="hold" nodeType="withEffect">
+                                  <p:stCondLst>
+                                    <p:cond delay="0"/>
+                                  </p:stCondLst>
+                                  <p:childTnLst>
+                                    <p:set>
+                                      <p:cBhvr>
+                                        <p:cTn id="12" dur="1" fill="hold">
+                                          <p:stCondLst>
+                                            <p:cond delay="0"/>
+                                          </p:stCondLst>
+                                        </p:cTn>
+                                        <p:tgtEl>
+                                          <p:spTgt spid="4"/>
+                                        </p:tgtEl>
+                                        <p:attrNameLst>
+                                          <p:attrName>style.visibility</p:attrName>
+                                        </p:attrNameLst>
+                                      </p:cBhvr>
+                                      <p:to>
+                                        <p:strVal val="visible"/>
+                                      </p:to>
+                                    </p:set>
+                                  </p:childTnLst>
+                                </p:cTn>
+                              </p:par>
+                            </p:childTnLst>
+                          </p:cTn>
+                        </p:par>
+                      </p:childTnLst>
+                    </p:cTn>
+                  </p:par>
+                  <p:par>
+                    <p:cTn id="13" fill="hold">
+                      <p:stCondLst>
+                        <p:cond delay="indefinite"/>
+                      </p:stCondLst>
+                      <p:childTnLst>
+                        <p:par>
+                          <p:cTn id="14" fill="hold">
+                            <p:stCondLst>
+                              <p:cond delay="0"/>
+                            </p:stCondLst>
+                            <p:childTnLst>
+                              <p:par>
+                                <p:cTn id="15" presetID="1" presetClass="entr" presetSubtype="0" fill="hold" grpId="1" nodeType="clickEffect">
+                                  <p:stCondLst>
+                                    <p:cond delay="0"/>
+                                  </p:stCondLst>
+                                  <p:childTnLst>
+                                    <p:set>
+                                      <p:cBhvr>
+                                        <p:cTn id="16" dur="1" fill="hold">
+                                          <p:stCondLst>
+                                            <p:cond delay="0"/>
+                                          </p:stCondLst>
+                                        </p:cTn>
+                                        <p:tgtEl>
+                                          <p:spTgt spid="3">
+                                            <p:txEl>
+                                              <p:pRg st="1" end="1"/>
+                                            </p:txEl>
+                                          </p:spTgt>
+                                        </p:tgtEl>
+                                        <p:attrNameLst>
+                                          <p:attrName>style.visibility</p:attrName>
+                                        </p:attrNameLst>
+                                      </p:cBhvr>
+                                      <p:to>
+                                        <p:strVal val="visible"/>
+                                      </p:to>
+                                    </p:set>
+                                  </p:childTnLst>
+                                </p:cTn>
+                              </p:par>
+                              <p:par>
+                                <p:cTn id="17" presetID="1" presetClass="entr" presetSubtype="0" fill="hold" nodeType="withEffect">
+                                  <p:stCondLst>
+                                    <p:cond delay="0"/>
+                                  </p:stCondLst>
+                                  <p:childTnLst>
+                                    <p:set>
+                                      <p:cBhvr>
+                                        <p:cTn id="18" dur="1" fill="hold">
+                                          <p:stCondLst>
+                                            <p:cond delay="0"/>
+                                          </p:stCondLst>
+                                        </p:cTn>
+                                        <p:tgtEl>
+                                          <p:spTgt spid="5"/>
+                                        </p:tgtEl>
+                                        <p:attrNameLst>
+                                          <p:attrName>style.visibility</p:attrName>
+                                        </p:attrNameLst>
+                                      </p:cBhvr>
+                                      <p:to>
+                                        <p:strVal val="visible"/>
+                                      </p:to>
+                                    </p:set>
+                                  </p:childTnLst>
+                                </p:cTn>
+                              </p:par>
+                            </p:childTnLst>
+                          </p:cTn>
+                        </p:par>
+                      </p:childTnLst>
+                    </p:cTn>
+                  </p:par>
+                  <p:par>
+                    <p:cTn id="19" fill="hold">
+                      <p:stCondLst>
+                        <p:cond delay="indefinite"/>
+                      </p:stCondLst>
+                      <p:childTnLst>
+                        <p:par>
+                          <p:cTn id="20" fill="hold">
+                            <p:stCondLst>
+                              <p:cond delay="0"/>
+                            </p:stCondLst>
+                            <p:childTnLst>
+                              <p:par>
+                                <p:cTn id="21" presetID="1" presetClass="entr" presetSubtype="0" fill="hold" grpId="0" nodeType="clickEffect">
+                                  <p:stCondLst>
+                                    <p:cond delay="0"/>
+                                  </p:stCondLst>
+                                  <p:childTnLst>
+                                    <p:set>
+                                      <p:cBhvr>
+                                        <p:cTn id="22" dur="1" fill="hold">
+                                          <p:stCondLst>
+                                            <p:cond delay="0"/>
+                                          </p:stCondLst>
+                                        </p:cTn>
+                                        <p:tgtEl>
+                                          <p:spTgt spid="11"/>
+                                        </p:tgtEl>
+                                        <p:attrNameLst>
+                                          <p:attrName>style.visibility</p:attrName>
+                                        </p:attrNameLst>
+                                      </p:cBhvr>
+                                      <p:to>
+                                        <p:strVal val="visible"/>
+                                      </p:to>
+                                    </p:set>
+                                  </p:childTnLst>
+                                </p:cTn>
+                              </p:par>
+                              <p:par>
+                                <p:cTn id="23" presetID="1" presetClass="entr" presetSubtype="0" fill="hold" nodeType="withEffect">
+                                  <p:stCondLst>
+                                    <p:cond delay="0"/>
+                                  </p:stCondLst>
+                                  <p:childTnLst>
+                                    <p:set>
+                                      <p:cBhvr>
+                                        <p:cTn id="24" dur="1" fill="hold">
+                                          <p:stCondLst>
+                                            <p:cond delay="0"/>
+                                          </p:stCondLst>
+                                        </p:cTn>
+                                        <p:tgtEl>
+                                          <p:spTgt spid="7"/>
+                                        </p:tgtEl>
+                                        <p:attrNameLst>
+                                          <p:attrName>style.visibility</p:attrName>
+                                        </p:attrNameLst>
+                                      </p:cBhvr>
+                                      <p:to>
+                                        <p:strVal val="visible"/>
+                                      </p:to>
+                                    </p:set>
+                                  </p:childTnLst>
+                                </p:cTn>
+                              </p:par>
+                            </p:childTnLst>
+                          </p:cTn>
+                        </p:par>
+                      </p:childTnLst>
+                    </p:cTn>
+                  </p:par>
+                </p:childTnLst>
+              </p:cTn>
+              <p:prevCondLst>
+                <p:cond evt="onPrev" delay="0">
+                  <p:tgtEl>
+                    <p:sldTgt/>
+                  </p:tgtEl>
+                </p:cond>
+              </p:prevCondLst>
+              <p:nextCondLst>
+                <p:cond evt="onNext" delay="0">
+                  <p:tgtEl>
+                    <p:sldTgt/>
+                  </p:tgtEl>
+                </p:cond>
+              </p:nextCondLst>
+            </p:seq>
+          </p:childTnLst>
+        </p:cTn>
+      </p:par>
+    </p:tnLst>
+    <p:bldLst>
+      <p:bldP spid="2" grpId="0"/>
+      <p:bldP spid="3" grpId="0" build="p"/>
+      <p:bldP spid="3" grpId="1" build="p"/>
+      <p:bldP spid="11" grpId="0" animBg="1"/>
+    </p:bldLst>
+  </p:timing>
+</p:sld>
+</file>
+
+<file path=ppt/slides/slide17.xml><?xml version="1.0" encoding="utf-8"?>
+<p:sld xmlns:a="http://schemas.openxmlformats.org/drawingml/2006/main" xmlns:r="http://schemas.openxmlformats.org/officeDocument/2006/relationships" xmlns:p="http://schemas.openxmlformats.org/presentationml/2006/main">
+  <p:cSld>
+    <p:spTree>
+      <p:nvGrpSpPr>
+        <p:cNvPr id="1" name=""/>
+        <p:cNvGrpSpPr/>
+        <p:nvPr/>
+      </p:nvGrpSpPr>
+      <p:grpSpPr>
+        <a:xfrm>
+          <a:off x="0" y="0"/>
+          <a:ext cx="0" cy="0"/>
+          <a:chOff x="0" y="0"/>
+          <a:chExt cx="0" cy="0"/>
+        </a:xfrm>
+      </p:grpSpPr>
       <p:pic>
         <p:nvPicPr>
           <p:cNvPr id="8" name="Picture"/>
@@ -4947,7 +6353,7 @@
       </p:par>
     </p:tnLst>
     <p:bldLst>
-      <p:bldP spid="7" grpId="0" uiExpand="1" build="p"/>
+      <p:bldP spid="7" grpId="0" build="p"/>
       <p:bldP spid="10" grpId="0" animBg="1"/>
       <p:bldP spid="11" grpId="0" animBg="1"/>
     </p:bldLst>
@@ -4955,7 +6361,7 @@
 </p:sld>
 </file>
 
-<file path=ppt/slides/slide11.xml><?xml version="1.0" encoding="utf-8"?>
+<file path=ppt/slides/slide18.xml><?xml version="1.0" encoding="utf-8"?>
 <p:sld xmlns:a="http://schemas.openxmlformats.org/drawingml/2006/main" xmlns:r="http://schemas.openxmlformats.org/officeDocument/2006/relationships" xmlns:p="http://schemas.openxmlformats.org/presentationml/2006/main">
   <p:cSld>
     <p:spTree>
@@ -5297,14 +6703,14 @@
       </p:par>
     </p:tnLst>
     <p:bldLst>
-      <p:bldP spid="9" grpId="0" uiExpand="1" build="p"/>
-      <p:bldP spid="9" grpId="1" uiExpand="1" build="p"/>
+      <p:bldP spid="9" grpId="0" build="p"/>
+      <p:bldP spid="9" grpId="1" build="p"/>
     </p:bldLst>
   </p:timing>
 </p:sld>
 </file>
 
-<file path=ppt/slides/slide12.xml><?xml version="1.0" encoding="utf-8"?>
+<file path=ppt/slides/slide19.xml><?xml version="1.0" encoding="utf-8"?>
 <p:sld xmlns:a="http://schemas.openxmlformats.org/drawingml/2006/main" xmlns:r="http://schemas.openxmlformats.org/officeDocument/2006/relationships" xmlns:p="http://schemas.openxmlformats.org/presentationml/2006/main">
   <p:cSld>
     <p:spTree>
@@ -5593,14 +6999,133 @@
       </p:par>
     </p:tnLst>
     <p:bldLst>
-      <p:bldP spid="4" grpId="0" uiExpand="1" build="p"/>
-      <p:bldP spid="4" grpId="1" uiExpand="1" build="p"/>
+      <p:bldP spid="4" grpId="0" build="p"/>
+      <p:bldP spid="4" grpId="1" build="p"/>
     </p:bldLst>
   </p:timing>
 </p:sld>
 </file>
 
-<file path=ppt/slides/slide13.xml><?xml version="1.0" encoding="utf-8"?>
+<file path=ppt/slides/slide2.xml><?xml version="1.0" encoding="utf-8"?>
+<p:sld xmlns:a="http://schemas.openxmlformats.org/drawingml/2006/main" xmlns:r="http://schemas.openxmlformats.org/officeDocument/2006/relationships" xmlns:p="http://schemas.openxmlformats.org/presentationml/2006/main">
+  <p:cSld>
+    <p:spTree>
+      <p:nvGrpSpPr>
+        <p:cNvPr id="1" name=""/>
+        <p:cNvGrpSpPr/>
+        <p:nvPr/>
+      </p:nvGrpSpPr>
+      <p:grpSpPr>
+        <a:xfrm>
+          <a:off x="0" y="0"/>
+          <a:ext cx="0" cy="0"/>
+          <a:chOff x="0" y="0"/>
+          <a:chExt cx="0" cy="0"/>
+        </a:xfrm>
+      </p:grpSpPr>
+      <p:sp>
+        <p:nvSpPr>
+          <p:cNvPr id="2" name="Title 1"/>
+          <p:cNvSpPr>
+            <a:spLocks noGrp="1"/>
+          </p:cNvSpPr>
+          <p:nvPr>
+            <p:ph type="title"/>
+          </p:nvPr>
+        </p:nvSpPr>
+        <p:spPr/>
+        <p:txBody>
+          <a:bodyPr/>
+          <a:lstStyle/>
+          <a:p>
+            <a:r>
+              <a:rPr lang="en-GB" dirty="0" smtClean="0"/>
+              <a:t>Research Question</a:t>
+            </a:r>
+            <a:endParaRPr lang="en-GB" dirty="0"/>
+          </a:p>
+        </p:txBody>
+      </p:sp>
+      <p:sp>
+        <p:nvSpPr>
+          <p:cNvPr id="3" name="Content Placeholder 2"/>
+          <p:cNvSpPr>
+            <a:spLocks noGrp="1"/>
+          </p:cNvSpPr>
+          <p:nvPr>
+            <p:ph idx="1"/>
+          </p:nvPr>
+        </p:nvSpPr>
+        <p:spPr>
+          <a:xfrm>
+            <a:off x="304800" y="2895600"/>
+            <a:ext cx="8686800" cy="1524000"/>
+          </a:xfrm>
+        </p:spPr>
+        <p:txBody>
+          <a:bodyPr>
+            <a:normAutofit fontScale="85000" lnSpcReduction="20000"/>
+          </a:bodyPr>
+          <a:lstStyle/>
+          <a:p>
+            <a:pPr algn="ctr">
+              <a:buNone/>
+            </a:pPr>
+            <a:r>
+              <a:rPr lang="nl-NL" dirty="0" smtClean="0"/>
+              <a:t>“</a:t>
+            </a:r>
+            <a:r>
+              <a:rPr lang="en-GB" dirty="0" smtClean="0"/>
+              <a:t>Does including </a:t>
+            </a:r>
+            <a:r>
+              <a:rPr lang="en-GB" b="1" dirty="0" err="1" smtClean="0"/>
+              <a:t>protractedness</a:t>
+            </a:r>
+            <a:r>
+              <a:rPr lang="en-GB" dirty="0" smtClean="0"/>
+              <a:t> in speciation models give rise to more accurate and realistic phylogenies? </a:t>
+            </a:r>
+            <a:r>
+              <a:rPr lang="nl-NL" dirty="0" smtClean="0"/>
+              <a:t>”</a:t>
+            </a:r>
+          </a:p>
+          <a:p>
+            <a:pPr>
+              <a:buNone/>
+            </a:pPr>
+            <a:endParaRPr lang="nl-NL" sz="2400" dirty="0" smtClean="0"/>
+          </a:p>
+          <a:p>
+            <a:pPr>
+              <a:buNone/>
+            </a:pPr>
+            <a:r>
+              <a:rPr lang="nl-NL" sz="2800" dirty="0" smtClean="0"/>
+              <a:t>				</a:t>
+            </a:r>
+            <a:endParaRPr lang="en-GB" sz="2000" dirty="0"/>
+          </a:p>
+        </p:txBody>
+      </p:sp>
+    </p:spTree>
+  </p:cSld>
+  <p:clrMapOvr>
+    <a:masterClrMapping/>
+  </p:clrMapOvr>
+  <p:timing>
+    <p:tnLst>
+      <p:par>
+        <p:cTn id="1" dur="indefinite" restart="never" nodeType="tmRoot"/>
+      </p:par>
+    </p:tnLst>
+  </p:timing>
+</p:sld>
+</file>
+
+<file path=ppt/slides/slide20.xml><?xml version="1.0" encoding="utf-8"?>
 <p:sld xmlns:a="http://schemas.openxmlformats.org/drawingml/2006/main" xmlns:r="http://schemas.openxmlformats.org/officeDocument/2006/relationships" xmlns:p="http://schemas.openxmlformats.org/presentationml/2006/main">
   <p:cSld>
     <p:spTree>
@@ -5883,1280 +7408,9 @@
       </p:par>
     </p:tnLst>
     <p:bldLst>
-      <p:bldP spid="6" grpId="0" uiExpand="1" build="p"/>
+      <p:bldP spid="6" grpId="0" build="p"/>
     </p:bldLst>
   </p:timing>
-</p:sld>
-</file>
-
-<file path=ppt/slides/slide14.xml><?xml version="1.0" encoding="utf-8"?>
-<p:sld xmlns:a="http://schemas.openxmlformats.org/drawingml/2006/main" xmlns:r="http://schemas.openxmlformats.org/officeDocument/2006/relationships" xmlns:p="http://schemas.openxmlformats.org/presentationml/2006/main">
-  <p:cSld>
-    <p:spTree>
-      <p:nvGrpSpPr>
-        <p:cNvPr id="1" name=""/>
-        <p:cNvGrpSpPr/>
-        <p:nvPr/>
-      </p:nvGrpSpPr>
-      <p:grpSpPr>
-        <a:xfrm>
-          <a:off x="0" y="0"/>
-          <a:ext cx="0" cy="0"/>
-          <a:chOff x="0" y="0"/>
-          <a:chExt cx="0" cy="0"/>
-        </a:xfrm>
-      </p:grpSpPr>
-      <p:sp>
-        <p:nvSpPr>
-          <p:cNvPr id="2" name="Title 1"/>
-          <p:cNvSpPr>
-            <a:spLocks noGrp="1"/>
-          </p:cNvSpPr>
-          <p:nvPr>
-            <p:ph type="title"/>
-          </p:nvPr>
-        </p:nvSpPr>
-        <p:spPr/>
-        <p:txBody>
-          <a:bodyPr/>
-          <a:lstStyle/>
-          <a:p>
-            <a:r>
-              <a:rPr lang="en-GB" dirty="0" smtClean="0"/>
-              <a:t>Main Question</a:t>
-            </a:r>
-            <a:endParaRPr lang="en-GB" dirty="0"/>
-          </a:p>
-        </p:txBody>
-      </p:sp>
-      <p:sp>
-        <p:nvSpPr>
-          <p:cNvPr id="3" name="Content Placeholder 2"/>
-          <p:cNvSpPr>
-            <a:spLocks noGrp="1"/>
-          </p:cNvSpPr>
-          <p:nvPr>
-            <p:ph idx="1"/>
-          </p:nvPr>
-        </p:nvSpPr>
-        <p:spPr>
-          <a:xfrm>
-            <a:off x="457200" y="3810000"/>
-            <a:ext cx="8229600" cy="2057399"/>
-          </a:xfrm>
-        </p:spPr>
-        <p:txBody>
-          <a:bodyPr>
-            <a:normAutofit/>
-          </a:bodyPr>
-          <a:lstStyle/>
-          <a:p>
-            <a:pPr>
-              <a:buFontTx/>
-              <a:buChar char="-"/>
-            </a:pPr>
-            <a:r>
-              <a:rPr lang="nl-NL" sz="2400" dirty="0" smtClean="0"/>
-              <a:t>Can BEAST2 accurately recover a ‘true’ tree?</a:t>
-            </a:r>
-          </a:p>
-          <a:p>
-            <a:pPr>
-              <a:buFontTx/>
-              <a:buChar char="-"/>
-            </a:pPr>
-            <a:r>
-              <a:rPr lang="en-GB" sz="2400" dirty="0" smtClean="0"/>
-              <a:t>Error big enough?</a:t>
-            </a:r>
-          </a:p>
-          <a:p>
-            <a:pPr>
-              <a:buFontTx/>
-              <a:buChar char="-"/>
-            </a:pPr>
-            <a:r>
-              <a:rPr lang="en-GB" sz="2400" dirty="0" smtClean="0"/>
-              <a:t>Right summary statistics used?</a:t>
-            </a:r>
-          </a:p>
-          <a:p>
-            <a:pPr>
-              <a:buNone/>
-            </a:pPr>
-            <a:endParaRPr lang="en-GB" sz="2400" dirty="0"/>
-          </a:p>
-        </p:txBody>
-      </p:sp>
-      <p:sp>
-        <p:nvSpPr>
-          <p:cNvPr id="6" name="Content Placeholder 2"/>
-          <p:cNvSpPr txBox="1">
-            <a:spLocks/>
-          </p:cNvSpPr>
-          <p:nvPr/>
-        </p:nvSpPr>
-        <p:spPr>
-          <a:xfrm>
-            <a:off x="304800" y="1600200"/>
-            <a:ext cx="8534400" cy="1066800"/>
-          </a:xfrm>
-          <a:prstGeom prst="rect">
-            <a:avLst/>
-          </a:prstGeom>
-        </p:spPr>
-        <p:txBody>
-          <a:bodyPr vert="horz" lIns="91440" tIns="45720" rIns="91440" bIns="45720" rtlCol="0">
-            <a:normAutofit/>
-          </a:bodyPr>
-          <a:lstStyle/>
-          <a:p>
-            <a:pPr marL="342900" lvl="0" indent="-342900">
-              <a:spcBef>
-                <a:spcPct val="20000"/>
-              </a:spcBef>
-              <a:defRPr/>
-            </a:pPr>
-            <a:r>
-              <a:rPr lang="en-GB" sz="2800" dirty="0" smtClean="0"/>
-              <a:t>Should </a:t>
-            </a:r>
-            <a:r>
-              <a:rPr lang="en-GB" sz="2800" b="1" dirty="0" err="1" smtClean="0"/>
-              <a:t>protractedness</a:t>
-            </a:r>
-            <a:r>
-              <a:rPr lang="en-GB" sz="2800" dirty="0" smtClean="0"/>
-              <a:t> be included in speciation models?</a:t>
-            </a:r>
-            <a:endParaRPr kumimoji="0" lang="nl-NL" sz="2800" b="0" i="0" u="none" strike="noStrike" kern="1200" cap="none" spc="0" normalizeH="0" baseline="0" noProof="0" dirty="0" smtClean="0">
-              <a:ln>
-                <a:noFill/>
-              </a:ln>
-              <a:solidFill>
-                <a:schemeClr val="tx1"/>
-              </a:solidFill>
-              <a:effectLst/>
-              <a:uLnTx/>
-              <a:uFillTx/>
-              <a:latin typeface="+mn-lt"/>
-              <a:ea typeface="+mn-ea"/>
-              <a:cs typeface="+mn-cs"/>
-            </a:endParaRPr>
-          </a:p>
-          <a:p>
-            <a:pPr marL="342900" marR="0" lvl="0" indent="-342900" algn="l" defTabSz="914400" rtl="0" eaLnBrk="1" fontAlgn="auto" latinLnBrk="0" hangingPunct="1">
-              <a:lnSpc>
-                <a:spcPct val="100000"/>
-              </a:lnSpc>
-              <a:spcBef>
-                <a:spcPct val="20000"/>
-              </a:spcBef>
-              <a:spcAft>
-                <a:spcPts val="0"/>
-              </a:spcAft>
-              <a:buClrTx/>
-              <a:buSzTx/>
-              <a:buFont typeface="Arial" pitchFamily="34" charset="0"/>
-              <a:buChar char="•"/>
-              <a:tabLst/>
-              <a:defRPr/>
-            </a:pPr>
-            <a:endParaRPr kumimoji="0" lang="en-GB" sz="3200" b="0" i="0" u="none" strike="noStrike" kern="1200" cap="none" spc="0" normalizeH="0" baseline="0" noProof="0" dirty="0">
-              <a:ln>
-                <a:noFill/>
-              </a:ln>
-              <a:solidFill>
-                <a:schemeClr val="tx1"/>
-              </a:solidFill>
-              <a:effectLst/>
-              <a:uLnTx/>
-              <a:uFillTx/>
-              <a:latin typeface="+mn-lt"/>
-              <a:ea typeface="+mn-ea"/>
-              <a:cs typeface="+mn-cs"/>
-            </a:endParaRPr>
-          </a:p>
-        </p:txBody>
-      </p:sp>
-      <p:sp>
-        <p:nvSpPr>
-          <p:cNvPr id="7" name="Title 1"/>
-          <p:cNvSpPr txBox="1">
-            <a:spLocks/>
-          </p:cNvSpPr>
-          <p:nvPr/>
-        </p:nvSpPr>
-        <p:spPr>
-          <a:xfrm>
-            <a:off x="457200" y="2590800"/>
-            <a:ext cx="8229600" cy="1143000"/>
-          </a:xfrm>
-          <a:prstGeom prst="rect">
-            <a:avLst/>
-          </a:prstGeom>
-        </p:spPr>
-        <p:txBody>
-          <a:bodyPr vert="horz" lIns="91440" tIns="45720" rIns="91440" bIns="45720" rtlCol="0" anchor="ctr">
-            <a:normAutofit/>
-          </a:bodyPr>
-          <a:lstStyle/>
-          <a:p>
-            <a:pPr marL="0" marR="0" lvl="0" indent="0" algn="ctr" defTabSz="914400" rtl="0" eaLnBrk="1" fontAlgn="auto" latinLnBrk="0" hangingPunct="1">
-              <a:lnSpc>
-                <a:spcPct val="100000"/>
-              </a:lnSpc>
-              <a:spcBef>
-                <a:spcPct val="0"/>
-              </a:spcBef>
-              <a:spcAft>
-                <a:spcPts val="0"/>
-              </a:spcAft>
-              <a:buClrTx/>
-              <a:buSzTx/>
-              <a:buFontTx/>
-              <a:buNone/>
-              <a:tabLst/>
-              <a:defRPr/>
-            </a:pPr>
-            <a:r>
-              <a:rPr kumimoji="0" lang="en-GB" sz="4400" b="0" i="0" u="none" strike="noStrike" kern="1200" cap="none" spc="0" normalizeH="0" baseline="0" noProof="0" dirty="0" smtClean="0">
-                <a:ln>
-                  <a:noFill/>
-                </a:ln>
-                <a:solidFill>
-                  <a:schemeClr val="tx1"/>
-                </a:solidFill>
-                <a:effectLst/>
-                <a:uLnTx/>
-                <a:uFillTx/>
-                <a:latin typeface="+mj-lt"/>
-                <a:ea typeface="+mj-ea"/>
-                <a:cs typeface="+mj-cs"/>
-              </a:rPr>
-              <a:t>Sub questions</a:t>
-            </a:r>
-            <a:endParaRPr kumimoji="0" lang="en-GB" sz="4400" b="0" i="0" u="none" strike="noStrike" kern="1200" cap="none" spc="0" normalizeH="0" baseline="0" noProof="0" dirty="0">
-              <a:ln>
-                <a:noFill/>
-              </a:ln>
-              <a:solidFill>
-                <a:schemeClr val="tx1"/>
-              </a:solidFill>
-              <a:effectLst/>
-              <a:uLnTx/>
-              <a:uFillTx/>
-              <a:latin typeface="+mj-lt"/>
-              <a:ea typeface="+mj-ea"/>
-              <a:cs typeface="+mj-cs"/>
-            </a:endParaRPr>
-          </a:p>
-        </p:txBody>
-      </p:sp>
-    </p:spTree>
-  </p:cSld>
-  <p:clrMapOvr>
-    <a:masterClrMapping/>
-  </p:clrMapOvr>
-  <p:timing>
-    <p:tnLst>
-      <p:par>
-        <p:cTn id="1" dur="indefinite" restart="never" nodeType="tmRoot"/>
-      </p:par>
-    </p:tnLst>
-  </p:timing>
-</p:sld>
-</file>
-
-<file path=ppt/slides/slide15.xml><?xml version="1.0" encoding="utf-8"?>
-<p:sld xmlns:a="http://schemas.openxmlformats.org/drawingml/2006/main" xmlns:r="http://schemas.openxmlformats.org/officeDocument/2006/relationships" xmlns:p="http://schemas.openxmlformats.org/presentationml/2006/main">
-  <p:cSld>
-    <p:spTree>
-      <p:nvGrpSpPr>
-        <p:cNvPr id="1" name=""/>
-        <p:cNvGrpSpPr/>
-        <p:nvPr/>
-      </p:nvGrpSpPr>
-      <p:grpSpPr>
-        <a:xfrm>
-          <a:off x="0" y="0"/>
-          <a:ext cx="0" cy="0"/>
-          <a:chOff x="0" y="0"/>
-          <a:chExt cx="0" cy="0"/>
-        </a:xfrm>
-      </p:grpSpPr>
-      <p:sp>
-        <p:nvSpPr>
-          <p:cNvPr id="2" name="Title 1"/>
-          <p:cNvSpPr>
-            <a:spLocks noGrp="1"/>
-          </p:cNvSpPr>
-          <p:nvPr>
-            <p:ph type="title"/>
-          </p:nvPr>
-        </p:nvSpPr>
-        <p:spPr/>
-        <p:txBody>
-          <a:bodyPr/>
-          <a:lstStyle/>
-          <a:p>
-            <a:r>
-              <a:rPr lang="en-GB" dirty="0" smtClean="0"/>
-              <a:t>Results</a:t>
-            </a:r>
-            <a:endParaRPr lang="en-GB" dirty="0"/>
-          </a:p>
-        </p:txBody>
-      </p:sp>
-      <p:sp>
-        <p:nvSpPr>
-          <p:cNvPr id="3" name="Content Placeholder 2"/>
-          <p:cNvSpPr>
-            <a:spLocks noGrp="1"/>
-          </p:cNvSpPr>
-          <p:nvPr>
-            <p:ph idx="1"/>
-          </p:nvPr>
-        </p:nvSpPr>
-        <p:spPr/>
-        <p:txBody>
-          <a:bodyPr>
-            <a:normAutofit/>
-          </a:bodyPr>
-          <a:lstStyle/>
-          <a:p>
-            <a:pPr>
-              <a:buNone/>
-            </a:pPr>
-            <a:r>
-              <a:rPr lang="en-GB" sz="2800" dirty="0" smtClean="0"/>
-              <a:t>Distribution of gamma statistics</a:t>
-            </a:r>
-            <a:endParaRPr lang="en-GB" sz="2800" dirty="0"/>
-          </a:p>
-        </p:txBody>
-      </p:sp>
-      <p:pic>
-        <p:nvPicPr>
-          <p:cNvPr id="1026" name="Picture 2" descr="C:\Users\Aline\Dropbox\RUG 2015-2016\1.9 Community eclogy research\4. Poster_presentation\Photo's\distribution of gamma statistics_species trees.png"/>
-          <p:cNvPicPr>
-            <a:picLocks noChangeAspect="1" noChangeArrowheads="1"/>
-          </p:cNvPicPr>
-          <p:nvPr/>
-        </p:nvPicPr>
-        <p:blipFill>
-          <a:blip r:embed="rId2" cstate="print"/>
-          <a:srcRect/>
-          <a:stretch>
-            <a:fillRect/>
-          </a:stretch>
-        </p:blipFill>
-        <p:spPr bwMode="auto">
-          <a:xfrm>
-            <a:off x="152400" y="2590800"/>
-            <a:ext cx="4468611" cy="3048000"/>
-          </a:xfrm>
-          <a:prstGeom prst="rect">
-            <a:avLst/>
-          </a:prstGeom>
-          <a:noFill/>
-        </p:spPr>
-      </p:pic>
-      <p:pic>
-        <p:nvPicPr>
-          <p:cNvPr id="1027" name="Picture 3" descr="C:\Users\Aline\Dropbox\RUG 2015-2016\1.9 Community eclogy research\4. Poster_presentation\Photo's\distribution of gamma statistics_posterior.png"/>
-          <p:cNvPicPr>
-            <a:picLocks noChangeAspect="1" noChangeArrowheads="1"/>
-          </p:cNvPicPr>
-          <p:nvPr/>
-        </p:nvPicPr>
-        <p:blipFill>
-          <a:blip r:embed="rId3" cstate="print"/>
-          <a:srcRect/>
-          <a:stretch>
-            <a:fillRect/>
-          </a:stretch>
-        </p:blipFill>
-        <p:spPr bwMode="auto">
-          <a:xfrm>
-            <a:off x="4495800" y="2590800"/>
-            <a:ext cx="4393000" cy="3048000"/>
-          </a:xfrm>
-          <a:prstGeom prst="rect">
-            <a:avLst/>
-          </a:prstGeom>
-          <a:noFill/>
-        </p:spPr>
-      </p:pic>
-    </p:spTree>
-  </p:cSld>
-  <p:clrMapOvr>
-    <a:masterClrMapping/>
-  </p:clrMapOvr>
-  <p:timing>
-    <p:tnLst>
-      <p:par>
-        <p:cTn id="1" dur="indefinite" restart="never" nodeType="tmRoot"/>
-      </p:par>
-    </p:tnLst>
-  </p:timing>
-</p:sld>
-</file>
-
-<file path=ppt/slides/slide16.xml><?xml version="1.0" encoding="utf-8"?>
-<p:sld xmlns:a="http://schemas.openxmlformats.org/drawingml/2006/main" xmlns:r="http://schemas.openxmlformats.org/officeDocument/2006/relationships" xmlns:p="http://schemas.openxmlformats.org/presentationml/2006/main">
-  <p:cSld>
-    <p:spTree>
-      <p:nvGrpSpPr>
-        <p:cNvPr id="1" name=""/>
-        <p:cNvGrpSpPr/>
-        <p:nvPr/>
-      </p:nvGrpSpPr>
-      <p:grpSpPr>
-        <a:xfrm>
-          <a:off x="0" y="0"/>
-          <a:ext cx="0" cy="0"/>
-          <a:chOff x="0" y="0"/>
-          <a:chExt cx="0" cy="0"/>
-        </a:xfrm>
-      </p:grpSpPr>
-      <p:sp>
-        <p:nvSpPr>
-          <p:cNvPr id="2" name="Title 1"/>
-          <p:cNvSpPr>
-            <a:spLocks noGrp="1"/>
-          </p:cNvSpPr>
-          <p:nvPr>
-            <p:ph type="title"/>
-          </p:nvPr>
-        </p:nvSpPr>
-        <p:spPr/>
-        <p:txBody>
-          <a:bodyPr/>
-          <a:lstStyle/>
-          <a:p>
-            <a:r>
-              <a:rPr lang="en-GB" dirty="0" smtClean="0"/>
-              <a:t>Results</a:t>
-            </a:r>
-            <a:endParaRPr lang="en-GB" dirty="0"/>
-          </a:p>
-        </p:txBody>
-      </p:sp>
-      <p:sp>
-        <p:nvSpPr>
-          <p:cNvPr id="3" name="Content Placeholder 2"/>
-          <p:cNvSpPr>
-            <a:spLocks noGrp="1"/>
-          </p:cNvSpPr>
-          <p:nvPr>
-            <p:ph idx="1"/>
-          </p:nvPr>
-        </p:nvSpPr>
-        <p:spPr/>
-        <p:txBody>
-          <a:bodyPr>
-            <a:normAutofit/>
-          </a:bodyPr>
-          <a:lstStyle/>
-          <a:p>
-            <a:pPr>
-              <a:buNone/>
-            </a:pPr>
-            <a:r>
-              <a:rPr lang="en-GB" sz="2800" dirty="0" smtClean="0"/>
-              <a:t>Distribution of ... </a:t>
-            </a:r>
-            <a:endParaRPr lang="en-GB" sz="2800" dirty="0"/>
-          </a:p>
-        </p:txBody>
-      </p:sp>
-    </p:spTree>
-  </p:cSld>
-  <p:clrMapOvr>
-    <a:masterClrMapping/>
-  </p:clrMapOvr>
-  <p:timing>
-    <p:tnLst>
-      <p:par>
-        <p:cTn id="1" dur="indefinite" restart="never" nodeType="tmRoot"/>
-      </p:par>
-    </p:tnLst>
-  </p:timing>
-</p:sld>
-</file>
-
-<file path=ppt/slides/slide17.xml><?xml version="1.0" encoding="utf-8"?>
-<p:sld xmlns:a="http://schemas.openxmlformats.org/drawingml/2006/main" xmlns:r="http://schemas.openxmlformats.org/officeDocument/2006/relationships" xmlns:p="http://schemas.openxmlformats.org/presentationml/2006/main">
-  <p:cSld>
-    <p:spTree>
-      <p:nvGrpSpPr>
-        <p:cNvPr id="1" name=""/>
-        <p:cNvGrpSpPr/>
-        <p:nvPr/>
-      </p:nvGrpSpPr>
-      <p:grpSpPr>
-        <a:xfrm>
-          <a:off x="0" y="0"/>
-          <a:ext cx="0" cy="0"/>
-          <a:chOff x="0" y="0"/>
-          <a:chExt cx="0" cy="0"/>
-        </a:xfrm>
-      </p:grpSpPr>
-      <p:sp>
-        <p:nvSpPr>
-          <p:cNvPr id="2" name="Title 1"/>
-          <p:cNvSpPr>
-            <a:spLocks noGrp="1"/>
-          </p:cNvSpPr>
-          <p:nvPr>
-            <p:ph type="title"/>
-          </p:nvPr>
-        </p:nvSpPr>
-        <p:spPr/>
-        <p:txBody>
-          <a:bodyPr/>
-          <a:lstStyle/>
-          <a:p>
-            <a:r>
-              <a:rPr lang="en-GB" dirty="0" smtClean="0"/>
-              <a:t>Discussion &amp; Conclusions</a:t>
-            </a:r>
-            <a:endParaRPr lang="en-GB" dirty="0"/>
-          </a:p>
-        </p:txBody>
-      </p:sp>
-      <p:sp>
-        <p:nvSpPr>
-          <p:cNvPr id="3" name="Content Placeholder 2"/>
-          <p:cNvSpPr>
-            <a:spLocks noGrp="1"/>
-          </p:cNvSpPr>
-          <p:nvPr>
-            <p:ph idx="1"/>
-          </p:nvPr>
-        </p:nvSpPr>
-        <p:spPr/>
-        <p:txBody>
-          <a:bodyPr>
-            <a:normAutofit/>
-          </a:bodyPr>
-          <a:lstStyle/>
-          <a:p>
-            <a:pPr>
-              <a:buNone/>
-            </a:pPr>
-            <a:r>
-              <a:rPr lang="en-GB" sz="2800" dirty="0" smtClean="0"/>
-              <a:t>Error gamma statistics: substantial</a:t>
-            </a:r>
-          </a:p>
-          <a:p>
-            <a:pPr lvl="1"/>
-            <a:r>
-              <a:rPr lang="en-GB" sz="2400" dirty="0" smtClean="0"/>
-              <a:t>Correct gamma statistics used?</a:t>
-            </a:r>
-          </a:p>
-          <a:p>
-            <a:pPr lvl="1"/>
-            <a:endParaRPr lang="nl-NL" sz="2400" dirty="0" smtClean="0"/>
-          </a:p>
-          <a:p>
-            <a:pPr lvl="1"/>
-            <a:endParaRPr lang="en-GB" sz="2400" dirty="0" smtClean="0"/>
-          </a:p>
-          <a:p>
-            <a:pPr>
-              <a:buNone/>
-            </a:pPr>
-            <a:r>
-              <a:rPr lang="en-GB" sz="2800" dirty="0" smtClean="0"/>
-              <a:t>Error ....: ??</a:t>
-            </a:r>
-            <a:endParaRPr lang="en-GB" sz="2800" dirty="0"/>
-          </a:p>
-        </p:txBody>
-      </p:sp>
-    </p:spTree>
-  </p:cSld>
-  <p:clrMapOvr>
-    <a:masterClrMapping/>
-  </p:clrMapOvr>
-</p:sld>
-</file>
-
-<file path=ppt/slides/slide18.xml><?xml version="1.0" encoding="utf-8"?>
-<p:sld xmlns:a="http://schemas.openxmlformats.org/drawingml/2006/main" xmlns:r="http://schemas.openxmlformats.org/officeDocument/2006/relationships" xmlns:p="http://schemas.openxmlformats.org/presentationml/2006/main">
-  <p:cSld>
-    <p:spTree>
-      <p:nvGrpSpPr>
-        <p:cNvPr id="1" name=""/>
-        <p:cNvGrpSpPr/>
-        <p:nvPr/>
-      </p:nvGrpSpPr>
-      <p:grpSpPr>
-        <a:xfrm>
-          <a:off x="0" y="0"/>
-          <a:ext cx="0" cy="0"/>
-          <a:chOff x="0" y="0"/>
-          <a:chExt cx="0" cy="0"/>
-        </a:xfrm>
-      </p:grpSpPr>
-      <p:sp>
-        <p:nvSpPr>
-          <p:cNvPr id="2" name="Title 1"/>
-          <p:cNvSpPr>
-            <a:spLocks noGrp="1"/>
-          </p:cNvSpPr>
-          <p:nvPr>
-            <p:ph type="title"/>
-          </p:nvPr>
-        </p:nvSpPr>
-        <p:spPr/>
-        <p:txBody>
-          <a:bodyPr/>
-          <a:lstStyle/>
-          <a:p>
-            <a:r>
-              <a:rPr lang="en-GB" dirty="0" smtClean="0"/>
-              <a:t>Questions?</a:t>
-            </a:r>
-            <a:endParaRPr lang="en-GB" dirty="0"/>
-          </a:p>
-        </p:txBody>
-      </p:sp>
-    </p:spTree>
-  </p:cSld>
-  <p:clrMapOvr>
-    <a:masterClrMapping/>
-  </p:clrMapOvr>
-</p:sld>
-</file>
-
-<file path=ppt/slides/slide19.xml><?xml version="1.0" encoding="utf-8"?>
-<p:sld xmlns:a="http://schemas.openxmlformats.org/drawingml/2006/main" xmlns:r="http://schemas.openxmlformats.org/officeDocument/2006/relationships" xmlns:p="http://schemas.openxmlformats.org/presentationml/2006/main">
-  <p:cSld>
-    <p:spTree>
-      <p:nvGrpSpPr>
-        <p:cNvPr id="1" name=""/>
-        <p:cNvGrpSpPr/>
-        <p:nvPr/>
-      </p:nvGrpSpPr>
-      <p:grpSpPr>
-        <a:xfrm>
-          <a:off x="0" y="0"/>
-          <a:ext cx="0" cy="0"/>
-          <a:chOff x="0" y="0"/>
-          <a:chExt cx="0" cy="0"/>
-        </a:xfrm>
-      </p:grpSpPr>
-      <p:pic>
-        <p:nvPicPr>
-          <p:cNvPr id="1028" name="Picture 4" descr="C:\Users\Aline\Dropbox\RUG 2015-2016\1.9 Community eclogy research\4. Poster_presentation\Photo's\BayesianApproach.png"/>
-          <p:cNvPicPr>
-            <a:picLocks noChangeAspect="1" noChangeArrowheads="1"/>
-          </p:cNvPicPr>
-          <p:nvPr/>
-        </p:nvPicPr>
-        <p:blipFill>
-          <a:blip r:embed="rId3" cstate="print"/>
-          <a:srcRect/>
-          <a:stretch>
-            <a:fillRect/>
-          </a:stretch>
-        </p:blipFill>
-        <p:spPr bwMode="auto">
-          <a:xfrm>
-            <a:off x="1600200" y="3352800"/>
-            <a:ext cx="5640946" cy="914400"/>
-          </a:xfrm>
-          <a:prstGeom prst="rect">
-            <a:avLst/>
-          </a:prstGeom>
-          <a:noFill/>
-        </p:spPr>
-      </p:pic>
-      <p:sp>
-        <p:nvSpPr>
-          <p:cNvPr id="2" name="Title 1"/>
-          <p:cNvSpPr>
-            <a:spLocks noGrp="1"/>
-          </p:cNvSpPr>
-          <p:nvPr>
-            <p:ph type="title"/>
-          </p:nvPr>
-        </p:nvSpPr>
-        <p:spPr/>
-        <p:txBody>
-          <a:bodyPr/>
-          <a:lstStyle/>
-          <a:p>
-            <a:r>
-              <a:rPr lang="en-GB" dirty="0" smtClean="0"/>
-              <a:t>BEAST2</a:t>
-            </a:r>
-            <a:endParaRPr lang="en-GB" dirty="0"/>
-          </a:p>
-        </p:txBody>
-      </p:sp>
-      <p:sp>
-        <p:nvSpPr>
-          <p:cNvPr id="3" name="Content Placeholder 2"/>
-          <p:cNvSpPr>
-            <a:spLocks noGrp="1"/>
-          </p:cNvSpPr>
-          <p:nvPr>
-            <p:ph idx="1"/>
-          </p:nvPr>
-        </p:nvSpPr>
-        <p:spPr>
-          <a:noFill/>
-        </p:spPr>
-        <p:txBody>
-          <a:bodyPr>
-            <a:normAutofit/>
-          </a:bodyPr>
-          <a:lstStyle/>
-          <a:p>
-            <a:pPr lvl="1"/>
-            <a:r>
-              <a:rPr lang="en-GB" sz="2400" dirty="0" smtClean="0"/>
-              <a:t>Bayesian statistics</a:t>
-            </a:r>
-          </a:p>
-          <a:p>
-            <a:pPr lvl="2">
-              <a:buNone/>
-            </a:pPr>
-            <a:r>
-              <a:rPr lang="nl-NL" sz="2000" dirty="0" smtClean="0"/>
-              <a:t>MCMC</a:t>
-            </a:r>
-          </a:p>
-          <a:p>
-            <a:pPr lvl="2">
-              <a:buNone/>
-            </a:pPr>
-            <a:endParaRPr lang="nl-NL" sz="2000" dirty="0" smtClean="0"/>
-          </a:p>
-          <a:p>
-            <a:pPr lvl="2">
-              <a:buNone/>
-            </a:pPr>
-            <a:endParaRPr lang="nl-NL" sz="2000" dirty="0" smtClean="0"/>
-          </a:p>
-          <a:p>
-            <a:pPr lvl="2">
-              <a:buNone/>
-            </a:pPr>
-            <a:endParaRPr lang="nl-NL" sz="2000" dirty="0" smtClean="0"/>
-          </a:p>
-          <a:p>
-            <a:pPr lvl="2">
-              <a:buNone/>
-            </a:pPr>
-            <a:endParaRPr lang="nl-NL" sz="2000" dirty="0" smtClean="0"/>
-          </a:p>
-          <a:p>
-            <a:pPr lvl="2">
-              <a:buNone/>
-            </a:pPr>
-            <a:endParaRPr lang="nl-NL" sz="2000" dirty="0" smtClean="0"/>
-          </a:p>
-          <a:p>
-            <a:pPr lvl="2">
-              <a:buNone/>
-            </a:pPr>
-            <a:endParaRPr lang="nl-NL" sz="2000" dirty="0" smtClean="0"/>
-          </a:p>
-          <a:p>
-            <a:pPr lvl="2">
-              <a:buNone/>
-            </a:pPr>
-            <a:endParaRPr lang="nl-NL" sz="2000" dirty="0" smtClean="0"/>
-          </a:p>
-          <a:p>
-            <a:pPr lvl="1"/>
-            <a:r>
-              <a:rPr lang="nl-NL" sz="2400" dirty="0" smtClean="0"/>
-              <a:t>Multiple speciation models can be applied</a:t>
-            </a:r>
-          </a:p>
-          <a:p>
-            <a:pPr lvl="2">
-              <a:buNone/>
-            </a:pPr>
-            <a:r>
-              <a:rPr lang="nl-NL" sz="2000" dirty="0" smtClean="0"/>
-              <a:t>All assume </a:t>
-            </a:r>
-            <a:r>
-              <a:rPr lang="nl-NL" sz="2000" u="sng" dirty="0" smtClean="0"/>
-              <a:t>instant speciation</a:t>
-            </a:r>
-            <a:endParaRPr lang="en-GB" sz="2000" u="sng" dirty="0" smtClean="0"/>
-          </a:p>
-          <a:p>
-            <a:pPr>
-              <a:buNone/>
-            </a:pPr>
-            <a:endParaRPr lang="en-GB" dirty="0"/>
-          </a:p>
-        </p:txBody>
-      </p:sp>
-      <p:sp>
-        <p:nvSpPr>
-          <p:cNvPr id="16" name="Rectangular Callout 15"/>
-          <p:cNvSpPr/>
-          <p:nvPr/>
-        </p:nvSpPr>
-        <p:spPr>
-          <a:xfrm>
-            <a:off x="3581400" y="3048000"/>
-            <a:ext cx="914400" cy="457200"/>
-          </a:xfrm>
-          <a:prstGeom prst="wedgeRectCallout">
-            <a:avLst/>
-          </a:prstGeom>
-          <a:noFill/>
-        </p:spPr>
-        <p:style>
-          <a:lnRef idx="2">
-            <a:schemeClr val="accent1">
-              <a:shade val="50000"/>
-            </a:schemeClr>
-          </a:lnRef>
-          <a:fillRef idx="1">
-            <a:schemeClr val="accent1"/>
-          </a:fillRef>
-          <a:effectRef idx="0">
-            <a:schemeClr val="accent1"/>
-          </a:effectRef>
-          <a:fontRef idx="minor">
-            <a:schemeClr val="lt1"/>
-          </a:fontRef>
-        </p:style>
-        <p:txBody>
-          <a:bodyPr rtlCol="0" anchor="ctr"/>
-          <a:lstStyle/>
-          <a:p>
-            <a:pPr algn="ctr"/>
-            <a:r>
-              <a:rPr lang="nl-NL" dirty="0" smtClean="0">
-                <a:solidFill>
-                  <a:schemeClr val="tx2">
-                    <a:lumMod val="75000"/>
-                  </a:schemeClr>
-                </a:solidFill>
-              </a:rPr>
-              <a:t>Prior</a:t>
-            </a:r>
-            <a:endParaRPr lang="en-GB" dirty="0">
-              <a:solidFill>
-                <a:schemeClr val="tx2">
-                  <a:lumMod val="75000"/>
-                </a:schemeClr>
-              </a:solidFill>
-            </a:endParaRPr>
-          </a:p>
-        </p:txBody>
-      </p:sp>
-      <p:sp>
-        <p:nvSpPr>
-          <p:cNvPr id="17" name="Rectangular Callout 16"/>
-          <p:cNvSpPr/>
-          <p:nvPr/>
-        </p:nvSpPr>
-        <p:spPr>
-          <a:xfrm>
-            <a:off x="5029200" y="3048000"/>
-            <a:ext cx="1143000" cy="457200"/>
-          </a:xfrm>
-          <a:prstGeom prst="wedgeRectCallout">
-            <a:avLst/>
-          </a:prstGeom>
-          <a:noFill/>
-          <a:ln>
-            <a:solidFill>
-              <a:schemeClr val="tx2">
-                <a:lumMod val="60000"/>
-                <a:lumOff val="40000"/>
-              </a:schemeClr>
-            </a:solidFill>
-          </a:ln>
-        </p:spPr>
-        <p:style>
-          <a:lnRef idx="2">
-            <a:schemeClr val="accent1">
-              <a:shade val="50000"/>
-            </a:schemeClr>
-          </a:lnRef>
-          <a:fillRef idx="1">
-            <a:schemeClr val="accent1"/>
-          </a:fillRef>
-          <a:effectRef idx="0">
-            <a:schemeClr val="accent1"/>
-          </a:effectRef>
-          <a:fontRef idx="minor">
-            <a:schemeClr val="lt1"/>
-          </a:fontRef>
-        </p:style>
-        <p:txBody>
-          <a:bodyPr rtlCol="0" anchor="ctr"/>
-          <a:lstStyle/>
-          <a:p>
-            <a:pPr algn="ctr"/>
-            <a:r>
-              <a:rPr lang="nl-NL" dirty="0" smtClean="0">
-                <a:solidFill>
-                  <a:schemeClr val="tx2">
-                    <a:lumMod val="60000"/>
-                    <a:lumOff val="40000"/>
-                  </a:schemeClr>
-                </a:solidFill>
-              </a:rPr>
-              <a:t>Likelihood</a:t>
-            </a:r>
-            <a:endParaRPr lang="en-GB" dirty="0">
-              <a:solidFill>
-                <a:schemeClr val="tx2">
-                  <a:lumMod val="60000"/>
-                  <a:lumOff val="40000"/>
-                </a:schemeClr>
-              </a:solidFill>
-            </a:endParaRPr>
-          </a:p>
-        </p:txBody>
-      </p:sp>
-      <p:sp>
-        <p:nvSpPr>
-          <p:cNvPr id="18" name="Rectangular Callout 17"/>
-          <p:cNvSpPr/>
-          <p:nvPr/>
-        </p:nvSpPr>
-        <p:spPr>
-          <a:xfrm>
-            <a:off x="4572000" y="4191000"/>
-            <a:ext cx="2133600" cy="381000"/>
-          </a:xfrm>
-          <a:prstGeom prst="wedgeRectCallout">
-            <a:avLst>
-              <a:gd name="adj1" fmla="val -18308"/>
-              <a:gd name="adj2" fmla="val -77976"/>
-            </a:avLst>
-          </a:prstGeom>
-          <a:noFill/>
-          <a:ln>
-            <a:solidFill>
-              <a:schemeClr val="tx2">
-                <a:lumMod val="60000"/>
-                <a:lumOff val="40000"/>
-              </a:schemeClr>
-            </a:solidFill>
-          </a:ln>
-        </p:spPr>
-        <p:style>
-          <a:lnRef idx="2">
-            <a:schemeClr val="accent1">
-              <a:shade val="50000"/>
-            </a:schemeClr>
-          </a:lnRef>
-          <a:fillRef idx="1">
-            <a:schemeClr val="accent1"/>
-          </a:fillRef>
-          <a:effectRef idx="0">
-            <a:schemeClr val="accent1"/>
-          </a:effectRef>
-          <a:fontRef idx="minor">
-            <a:schemeClr val="lt1"/>
-          </a:fontRef>
-        </p:style>
-        <p:txBody>
-          <a:bodyPr rtlCol="0" anchor="ctr"/>
-          <a:lstStyle/>
-          <a:p>
-            <a:pPr algn="ctr"/>
-            <a:r>
-              <a:rPr lang="nl-NL" dirty="0" smtClean="0">
-                <a:solidFill>
-                  <a:schemeClr val="tx2">
-                    <a:lumMod val="60000"/>
-                    <a:lumOff val="40000"/>
-                  </a:schemeClr>
-                </a:solidFill>
-              </a:rPr>
-              <a:t>Marginal probability</a:t>
-            </a:r>
-            <a:endParaRPr lang="en-GB" dirty="0">
-              <a:solidFill>
-                <a:schemeClr val="tx2">
-                  <a:lumMod val="60000"/>
-                  <a:lumOff val="40000"/>
-                </a:schemeClr>
-              </a:solidFill>
-            </a:endParaRPr>
-          </a:p>
-        </p:txBody>
-      </p:sp>
-      <p:sp>
-        <p:nvSpPr>
-          <p:cNvPr id="19" name="Rectangular Callout 18"/>
-          <p:cNvSpPr/>
-          <p:nvPr/>
-        </p:nvSpPr>
-        <p:spPr>
-          <a:xfrm>
-            <a:off x="1676400" y="3048000"/>
-            <a:ext cx="1066800" cy="533400"/>
-          </a:xfrm>
-          <a:prstGeom prst="wedgeRectCallout">
-            <a:avLst>
-              <a:gd name="adj1" fmla="val -20833"/>
-              <a:gd name="adj2" fmla="val 67262"/>
-            </a:avLst>
-          </a:prstGeom>
-          <a:noFill/>
-        </p:spPr>
-        <p:style>
-          <a:lnRef idx="2">
-            <a:schemeClr val="accent1">
-              <a:shade val="50000"/>
-            </a:schemeClr>
-          </a:lnRef>
-          <a:fillRef idx="1">
-            <a:schemeClr val="accent1"/>
-          </a:fillRef>
-          <a:effectRef idx="0">
-            <a:schemeClr val="accent1"/>
-          </a:effectRef>
-          <a:fontRef idx="minor">
-            <a:schemeClr val="lt1"/>
-          </a:fontRef>
-        </p:style>
-        <p:txBody>
-          <a:bodyPr rtlCol="0" anchor="ctr"/>
-          <a:lstStyle/>
-          <a:p>
-            <a:pPr algn="ctr"/>
-            <a:r>
-              <a:rPr lang="nl-NL" dirty="0" smtClean="0">
-                <a:solidFill>
-                  <a:schemeClr val="tx2">
-                    <a:lumMod val="75000"/>
-                  </a:schemeClr>
-                </a:solidFill>
-              </a:rPr>
-              <a:t>Posterior</a:t>
-            </a:r>
-            <a:endParaRPr lang="en-GB" dirty="0">
-              <a:solidFill>
-                <a:schemeClr val="tx2">
-                  <a:lumMod val="75000"/>
-                </a:schemeClr>
-              </a:solidFill>
-            </a:endParaRPr>
-          </a:p>
-        </p:txBody>
-      </p:sp>
-    </p:spTree>
-  </p:cSld>
-  <p:clrMapOvr>
-    <a:masterClrMapping/>
-  </p:clrMapOvr>
-</p:sld>
-</file>
-
-<file path=ppt/slides/slide2.xml><?xml version="1.0" encoding="utf-8"?>
-<p:sld xmlns:a="http://schemas.openxmlformats.org/drawingml/2006/main" xmlns:r="http://schemas.openxmlformats.org/officeDocument/2006/relationships" xmlns:p="http://schemas.openxmlformats.org/presentationml/2006/main">
-  <p:cSld>
-    <p:spTree>
-      <p:nvGrpSpPr>
-        <p:cNvPr id="1" name=""/>
-        <p:cNvGrpSpPr/>
-        <p:nvPr/>
-      </p:nvGrpSpPr>
-      <p:grpSpPr>
-        <a:xfrm>
-          <a:off x="0" y="0"/>
-          <a:ext cx="0" cy="0"/>
-          <a:chOff x="0" y="0"/>
-          <a:chExt cx="0" cy="0"/>
-        </a:xfrm>
-      </p:grpSpPr>
-      <p:sp>
-        <p:nvSpPr>
-          <p:cNvPr id="2" name="Title 1"/>
-          <p:cNvSpPr>
-            <a:spLocks noGrp="1"/>
-          </p:cNvSpPr>
-          <p:nvPr>
-            <p:ph type="title"/>
-          </p:nvPr>
-        </p:nvSpPr>
-        <p:spPr/>
-        <p:txBody>
-          <a:bodyPr/>
-          <a:lstStyle/>
-          <a:p>
-            <a:r>
-              <a:rPr lang="en-GB" dirty="0" smtClean="0"/>
-              <a:t>Research Question</a:t>
-            </a:r>
-            <a:endParaRPr lang="en-GB" dirty="0"/>
-          </a:p>
-        </p:txBody>
-      </p:sp>
-      <p:sp>
-        <p:nvSpPr>
-          <p:cNvPr id="3" name="Content Placeholder 2"/>
-          <p:cNvSpPr>
-            <a:spLocks noGrp="1"/>
-          </p:cNvSpPr>
-          <p:nvPr>
-            <p:ph idx="1"/>
-          </p:nvPr>
-        </p:nvSpPr>
-        <p:spPr>
-          <a:xfrm>
-            <a:off x="304800" y="2895600"/>
-            <a:ext cx="8686800" cy="1524000"/>
-          </a:xfrm>
-        </p:spPr>
-        <p:txBody>
-          <a:bodyPr>
-            <a:normAutofit fontScale="85000" lnSpcReduction="20000"/>
-          </a:bodyPr>
-          <a:lstStyle/>
-          <a:p>
-            <a:pPr algn="ctr">
-              <a:buNone/>
-            </a:pPr>
-            <a:r>
-              <a:rPr lang="nl-NL" dirty="0" smtClean="0"/>
-              <a:t>“</a:t>
-            </a:r>
-            <a:r>
-              <a:rPr lang="en-GB" dirty="0" smtClean="0"/>
-              <a:t>Does including </a:t>
-            </a:r>
-            <a:r>
-              <a:rPr lang="en-GB" b="1" dirty="0" err="1" smtClean="0"/>
-              <a:t>protractedness</a:t>
-            </a:r>
-            <a:r>
-              <a:rPr lang="en-GB" dirty="0" smtClean="0"/>
-              <a:t> in speciation models give rise to more accurate and realistic phylogenies? </a:t>
-            </a:r>
-            <a:r>
-              <a:rPr lang="nl-NL" dirty="0" smtClean="0"/>
-              <a:t>”</a:t>
-            </a:r>
-          </a:p>
-          <a:p>
-            <a:pPr>
-              <a:buNone/>
-            </a:pPr>
-            <a:endParaRPr lang="nl-NL" sz="2400" dirty="0" smtClean="0"/>
-          </a:p>
-          <a:p>
-            <a:pPr>
-              <a:buNone/>
-            </a:pPr>
-            <a:r>
-              <a:rPr lang="nl-NL" sz="2800" dirty="0" smtClean="0"/>
-              <a:t>				</a:t>
-            </a:r>
-            <a:endParaRPr lang="en-GB" sz="2000" dirty="0"/>
-          </a:p>
-        </p:txBody>
-      </p:sp>
-    </p:spTree>
-  </p:cSld>
-  <p:clrMapOvr>
-    <a:masterClrMapping/>
-  </p:clrMapOvr>
-  <p:timing>
-    <p:tnLst>
-      <p:par>
-        <p:cTn id="1" dur="indefinite" restart="never" nodeType="tmRoot"/>
-      </p:par>
-    </p:tnLst>
-  </p:timing>
-</p:sld>
-</file>
-
-<file path=ppt/slides/slide20.xml><?xml version="1.0" encoding="utf-8"?>
-<p:sld xmlns:a="http://schemas.openxmlformats.org/drawingml/2006/main" xmlns:r="http://schemas.openxmlformats.org/officeDocument/2006/relationships" xmlns:p="http://schemas.openxmlformats.org/presentationml/2006/main">
-  <p:cSld>
-    <p:spTree>
-      <p:nvGrpSpPr>
-        <p:cNvPr id="1" name=""/>
-        <p:cNvGrpSpPr/>
-        <p:nvPr/>
-      </p:nvGrpSpPr>
-      <p:grpSpPr>
-        <a:xfrm>
-          <a:off x="0" y="0"/>
-          <a:ext cx="0" cy="0"/>
-          <a:chOff x="0" y="0"/>
-          <a:chExt cx="0" cy="0"/>
-        </a:xfrm>
-      </p:grpSpPr>
-      <p:sp>
-        <p:nvSpPr>
-          <p:cNvPr id="2" name="Title 1"/>
-          <p:cNvSpPr>
-            <a:spLocks noGrp="1"/>
-          </p:cNvSpPr>
-          <p:nvPr>
-            <p:ph type="title"/>
-          </p:nvPr>
-        </p:nvSpPr>
-        <p:spPr/>
-        <p:txBody>
-          <a:bodyPr/>
-          <a:lstStyle/>
-          <a:p>
-            <a:r>
-              <a:rPr lang="nl-NL" dirty="0" smtClean="0"/>
-              <a:t>GitHub</a:t>
-            </a:r>
-            <a:endParaRPr lang="en-GB" dirty="0"/>
-          </a:p>
-        </p:txBody>
-      </p:sp>
-      <p:pic>
-        <p:nvPicPr>
-          <p:cNvPr id="21505" name="Picture 1" descr="C:\Users\Aline\Dropbox\RUG 2015-2016\1.9 Community eclogy research\4. Poster_presentation\Photo's\RichelsGitHub.png"/>
-          <p:cNvPicPr>
-            <a:picLocks noChangeAspect="1" noChangeArrowheads="1"/>
-          </p:cNvPicPr>
-          <p:nvPr/>
-        </p:nvPicPr>
-        <p:blipFill>
-          <a:blip r:embed="rId3" cstate="print"/>
-          <a:srcRect/>
-          <a:stretch>
-            <a:fillRect/>
-          </a:stretch>
-        </p:blipFill>
-        <p:spPr bwMode="auto">
-          <a:xfrm>
-            <a:off x="228600" y="1219200"/>
-            <a:ext cx="4495800" cy="3114699"/>
-          </a:xfrm>
-          <a:prstGeom prst="rect">
-            <a:avLst/>
-          </a:prstGeom>
-          <a:noFill/>
-        </p:spPr>
-      </p:pic>
-    </p:spTree>
-  </p:cSld>
-  <p:clrMapOvr>
-    <a:masterClrMapping/>
-  </p:clrMapOvr>
 </p:sld>
 </file>
 
@@ -7189,12 +7443,14 @@
         </p:nvSpPr>
         <p:spPr/>
         <p:txBody>
-          <a:bodyPr/>
+          <a:bodyPr>
+            <a:normAutofit/>
+          </a:bodyPr>
           <a:lstStyle/>
           <a:p>
             <a:r>
               <a:rPr lang="en-GB" dirty="0" smtClean="0"/>
-              <a:t>Introduction: What?</a:t>
+              <a:t>Introduction</a:t>
             </a:r>
             <a:endParaRPr lang="en-GB" dirty="0"/>
           </a:p>
@@ -7605,7 +7861,7 @@
           <a:p>
             <a:r>
               <a:rPr lang="en-GB" dirty="0" smtClean="0"/>
-              <a:t>Introduction: What?</a:t>
+              <a:t>Introduction</a:t>
             </a:r>
             <a:endParaRPr lang="en-GB" dirty="0"/>
           </a:p>
@@ -8511,7 +8767,7 @@
           <a:p>
             <a:r>
               <a:rPr lang="en-GB" dirty="0" smtClean="0"/>
-              <a:t>Introduction: What?</a:t>
+              <a:t>Introduction</a:t>
             </a:r>
             <a:endParaRPr lang="en-GB" dirty="0"/>
           </a:p>
@@ -8745,12 +9001,14 @@
         </p:nvSpPr>
         <p:spPr/>
         <p:txBody>
-          <a:bodyPr/>
+          <a:bodyPr>
+            <a:normAutofit/>
+          </a:bodyPr>
           <a:lstStyle/>
           <a:p>
             <a:r>
               <a:rPr lang="en-GB" dirty="0" smtClean="0"/>
-              <a:t>Introduction: What?</a:t>
+              <a:t>Introduction</a:t>
             </a:r>
             <a:endParaRPr lang="en-GB" dirty="0"/>
           </a:p>
@@ -9594,15 +9852,6 @@
             <a:endParaRPr lang="nl-NL" sz="2400" dirty="0" smtClean="0"/>
           </a:p>
           <a:p>
-            <a:pPr>
-              <a:buNone/>
-            </a:pPr>
-            <a:r>
-              <a:rPr lang="nl-NL" dirty="0" smtClean="0"/>
-              <a:t>GitHub</a:t>
-            </a:r>
-          </a:p>
-          <a:p>
             <a:pPr lvl="1"/>
             <a:endParaRPr lang="nl-NL" sz="2400" dirty="0" smtClean="0"/>
           </a:p>
@@ -9622,32 +9871,6 @@
           </a:p>
         </p:txBody>
       </p:sp>
-      <p:pic>
-        <p:nvPicPr>
-          <p:cNvPr id="2055" name="Picture 7" descr="http://ivyr.github.io/img/logos/github.png"/>
-          <p:cNvPicPr>
-            <a:picLocks noChangeAspect="1" noChangeArrowheads="1"/>
-          </p:cNvPicPr>
-          <p:nvPr/>
-        </p:nvPicPr>
-        <p:blipFill>
-          <a:blip r:embed="rId3" cstate="print"/>
-          <a:srcRect/>
-          <a:stretch>
-            <a:fillRect/>
-          </a:stretch>
-        </p:blipFill>
-        <p:spPr bwMode="auto">
-          <a:xfrm>
-            <a:off x="3657600" y="4267200"/>
-            <a:ext cx="2590800" cy="862547"/>
-          </a:xfrm>
-          <a:prstGeom prst="rect">
-            <a:avLst/>
-          </a:prstGeom>
-          <a:noFill/>
-        </p:spPr>
-      </p:pic>
     </p:spTree>
   </p:cSld>
   <p:clrMapOvr>
@@ -9786,82 +10009,6 @@
                       </p:childTnLst>
                     </p:cTn>
                   </p:par>
-                  <p:par>
-                    <p:cTn id="13" fill="hold">
-                      <p:stCondLst>
-                        <p:cond delay="indefinite"/>
-                      </p:stCondLst>
-                      <p:childTnLst>
-                        <p:par>
-                          <p:cTn id="14" fill="hold">
-                            <p:stCondLst>
-                              <p:cond delay="0"/>
-                            </p:stCondLst>
-                            <p:childTnLst>
-                              <p:par>
-                                <p:cTn id="15" presetID="1" presetClass="entr" presetSubtype="0" fill="hold" grpId="1" nodeType="clickEffect">
-                                  <p:stCondLst>
-                                    <p:cond delay="0"/>
-                                  </p:stCondLst>
-                                  <p:childTnLst>
-                                    <p:set>
-                                      <p:cBhvr>
-                                        <p:cTn id="16" dur="1" fill="hold">
-                                          <p:stCondLst>
-                                            <p:cond delay="0"/>
-                                          </p:stCondLst>
-                                        </p:cTn>
-                                        <p:tgtEl>
-                                          <p:spTgt spid="3">
-                                            <p:txEl>
-                                              <p:pRg st="6" end="6"/>
-                                            </p:txEl>
-                                          </p:spTgt>
-                                        </p:tgtEl>
-                                        <p:attrNameLst>
-                                          <p:attrName>style.visibility</p:attrName>
-                                        </p:attrNameLst>
-                                      </p:cBhvr>
-                                      <p:to>
-                                        <p:strVal val="visible"/>
-                                      </p:to>
-                                    </p:set>
-                                  </p:childTnLst>
-                                </p:cTn>
-                              </p:par>
-                              <p:par>
-                                <p:cTn id="17" presetID="1" presetClass="entr" presetSubtype="0" fill="hold" nodeType="withEffect">
-                                  <p:stCondLst>
-                                    <p:cond delay="0"/>
-                                  </p:stCondLst>
-                                  <p:childTnLst>
-                                    <p:set>
-                                      <p:cBhvr>
-                                        <p:cTn id="18" dur="1" fill="hold">
-                                          <p:stCondLst>
-                                            <p:cond delay="0"/>
-                                          </p:stCondLst>
-                                        </p:cTn>
-                                        <p:tgtEl>
-                                          <p:spTgt spid="2055"/>
-                                        </p:tgtEl>
-                                        <p:attrNameLst>
-                                          <p:attrName>style.visibility</p:attrName>
-                                        </p:attrNameLst>
-                                      </p:cBhvr>
-                                      <p:to>
-                                        <p:strVal val="visible"/>
-                                      </p:to>
-                                    </p:set>
-                                  </p:childTnLst>
-                                </p:cTn>
-                              </p:par>
-                            </p:childTnLst>
-                          </p:cTn>
-                        </p:par>
-                      </p:childTnLst>
-                    </p:cTn>
-                  </p:par>
                 </p:childTnLst>
               </p:cTn>
               <p:prevCondLst>
@@ -9885,7 +10032,6 @@
     </p:tnLst>
     <p:bldLst>
       <p:bldP spid="3" grpId="0" uiExpand="1" build="p"/>
-      <p:bldP spid="3" grpId="1" uiExpand="1" build="p"/>
     </p:bldLst>
   </p:timing>
 </p:sld>
@@ -10844,203 +10990,250 @@
           <a:chExt cx="0" cy="0"/>
         </a:xfrm>
       </p:grpSpPr>
-      <p:pic>
-        <p:nvPicPr>
-          <p:cNvPr id="5" name="Picture"/>
-          <p:cNvPicPr/>
+      <p:sp>
+        <p:nvSpPr>
+          <p:cNvPr id="2" name="Title 1"/>
+          <p:cNvSpPr>
+            <a:spLocks noGrp="1"/>
+          </p:cNvSpPr>
+          <p:nvPr>
+            <p:ph type="title"/>
+          </p:nvPr>
+        </p:nvSpPr>
+        <p:spPr/>
+        <p:txBody>
+          <a:bodyPr/>
+          <a:lstStyle/>
+          <a:p>
+            <a:r>
+              <a:rPr lang="en-GB" dirty="0" smtClean="0"/>
+              <a:t>Main Question</a:t>
+            </a:r>
+            <a:endParaRPr lang="en-GB" dirty="0"/>
+          </a:p>
+        </p:txBody>
+      </p:sp>
+      <p:sp>
+        <p:nvSpPr>
+          <p:cNvPr id="3" name="Content Placeholder 2"/>
+          <p:cNvSpPr>
+            <a:spLocks noGrp="1"/>
+          </p:cNvSpPr>
+          <p:nvPr>
+            <p:ph idx="1"/>
+          </p:nvPr>
+        </p:nvSpPr>
+        <p:spPr>
+          <a:xfrm>
+            <a:off x="457200" y="3810000"/>
+            <a:ext cx="8229600" cy="2057399"/>
+          </a:xfrm>
+        </p:spPr>
+        <p:txBody>
+          <a:bodyPr>
+            <a:normAutofit/>
+          </a:bodyPr>
+          <a:lstStyle/>
+          <a:p>
+            <a:pPr>
+              <a:buFontTx/>
+              <a:buChar char="-"/>
+            </a:pPr>
+            <a:r>
+              <a:rPr lang="nl-NL" sz="2400" dirty="0" smtClean="0"/>
+              <a:t>Can BEAST2 accurately recover a ‘true’ tree?</a:t>
+            </a:r>
+          </a:p>
+          <a:p>
+            <a:pPr>
+              <a:buFontTx/>
+              <a:buChar char="-"/>
+            </a:pPr>
+            <a:r>
+              <a:rPr lang="en-GB" sz="2400" dirty="0" smtClean="0"/>
+              <a:t>Error big enough?</a:t>
+            </a:r>
+          </a:p>
+          <a:p>
+            <a:pPr>
+              <a:buFontTx/>
+              <a:buChar char="-"/>
+            </a:pPr>
+            <a:r>
+              <a:rPr lang="en-GB" sz="2400" dirty="0" smtClean="0"/>
+              <a:t>Right summary statistics used?</a:t>
+            </a:r>
+          </a:p>
+          <a:p>
+            <a:pPr>
+              <a:buNone/>
+            </a:pPr>
+            <a:endParaRPr lang="en-GB" sz="2400" dirty="0"/>
+          </a:p>
+        </p:txBody>
+      </p:sp>
+      <p:sp>
+        <p:nvSpPr>
+          <p:cNvPr id="6" name="Content Placeholder 2"/>
+          <p:cNvSpPr txBox="1">
+            <a:spLocks/>
+          </p:cNvSpPr>
           <p:nvPr/>
-        </p:nvPicPr>
-        <p:blipFill>
-          <a:blip r:embed="rId3" cstate="print"/>
-          <a:stretch>
-            <a:fillRect/>
-          </a:stretch>
-        </p:blipFill>
-        <p:spPr bwMode="auto">
+        </p:nvSpPr>
+        <p:spPr>
           <a:xfrm>
-            <a:off x="381000" y="3276600"/>
-            <a:ext cx="3810000" cy="3429000"/>
+            <a:off x="304800" y="1600200"/>
+            <a:ext cx="8534400" cy="1066800"/>
           </a:xfrm>
           <a:prstGeom prst="rect">
             <a:avLst/>
           </a:prstGeom>
-          <a:noFill/>
-          <a:ln w="9525">
-            <a:noFill/>
-            <a:headEnd/>
-            <a:tailEnd/>
-          </a:ln>
         </p:spPr>
-      </p:pic>
-      <p:sp>
-        <p:nvSpPr>
-          <p:cNvPr id="2" name="Title 1"/>
-          <p:cNvSpPr>
-            <a:spLocks noGrp="1"/>
-          </p:cNvSpPr>
-          <p:nvPr>
-            <p:ph type="title"/>
-          </p:nvPr>
-        </p:nvSpPr>
-        <p:spPr/>
-        <p:txBody>
-          <a:bodyPr>
+        <p:txBody>
+          <a:bodyPr vert="horz" lIns="91440" tIns="45720" rIns="91440" bIns="45720" rtlCol="0">
             <a:normAutofit/>
           </a:bodyPr>
           <a:lstStyle/>
           <a:p>
-            <a:pPr lvl="1" algn="ctr" rtl="0">
+            <a:pPr marL="342900" lvl="0" indent="-342900">
               <a:spcBef>
-                <a:spcPct val="0"/>
+                <a:spcPct val="20000"/>
               </a:spcBef>
+              <a:defRPr/>
             </a:pPr>
             <a:r>
-              <a:rPr lang="nl-NL" sz="2800" b="1" dirty="0" smtClean="0"/>
-              <a:t>1. </a:t>
-            </a:r>
-            <a:r>
               <a:rPr lang="en-GB" sz="2800" dirty="0" smtClean="0"/>
-              <a:t>Start with ‘true’ species trees</a:t>
-            </a:r>
-            <a:endParaRPr lang="en-GB" sz="2800" dirty="0"/>
-          </a:p>
-        </p:txBody>
-      </p:sp>
-      <p:sp>
-        <p:nvSpPr>
-          <p:cNvPr id="3" name="Content Placeholder 2"/>
-          <p:cNvSpPr>
-            <a:spLocks noGrp="1"/>
-          </p:cNvSpPr>
-          <p:nvPr>
-            <p:ph idx="1"/>
-          </p:nvPr>
+              <a:t>Should </a:t>
+            </a:r>
+            <a:r>
+              <a:rPr lang="en-GB" sz="2800" b="1" dirty="0" err="1" smtClean="0"/>
+              <a:t>protractedness</a:t>
+            </a:r>
+            <a:r>
+              <a:rPr lang="en-GB" sz="2800" dirty="0" smtClean="0"/>
+              <a:t> be included in speciation models?</a:t>
+            </a:r>
+            <a:endParaRPr kumimoji="0" lang="nl-NL" sz="2800" b="0" i="0" u="none" strike="noStrike" kern="1200" cap="none" spc="0" normalizeH="0" baseline="0" noProof="0" dirty="0" smtClean="0">
+              <a:ln>
+                <a:noFill/>
+              </a:ln>
+              <a:solidFill>
+                <a:schemeClr val="tx1"/>
+              </a:solidFill>
+              <a:effectLst/>
+              <a:uLnTx/>
+              <a:uFillTx/>
+              <a:latin typeface="+mn-lt"/>
+              <a:ea typeface="+mn-ea"/>
+              <a:cs typeface="+mn-cs"/>
+            </a:endParaRPr>
+          </a:p>
+          <a:p>
+            <a:pPr marL="342900" marR="0" lvl="0" indent="-342900" algn="l" defTabSz="914400" rtl="0" eaLnBrk="1" fontAlgn="auto" latinLnBrk="0" hangingPunct="1">
+              <a:lnSpc>
+                <a:spcPct val="100000"/>
+              </a:lnSpc>
+              <a:spcBef>
+                <a:spcPct val="20000"/>
+              </a:spcBef>
+              <a:spcAft>
+                <a:spcPts val="0"/>
+              </a:spcAft>
+              <a:buClrTx/>
+              <a:buSzTx/>
+              <a:buFont typeface="Arial" pitchFamily="34" charset="0"/>
+              <a:buChar char="•"/>
+              <a:tabLst/>
+              <a:defRPr/>
+            </a:pPr>
+            <a:endParaRPr kumimoji="0" lang="en-GB" sz="3200" b="0" i="0" u="none" strike="noStrike" kern="1200" cap="none" spc="0" normalizeH="0" baseline="0" noProof="0" dirty="0">
+              <a:ln>
+                <a:noFill/>
+              </a:ln>
+              <a:solidFill>
+                <a:schemeClr val="tx1"/>
+              </a:solidFill>
+              <a:effectLst/>
+              <a:uLnTx/>
+              <a:uFillTx/>
+              <a:latin typeface="+mn-lt"/>
+              <a:ea typeface="+mn-ea"/>
+              <a:cs typeface="+mn-cs"/>
+            </a:endParaRPr>
+          </a:p>
+        </p:txBody>
+      </p:sp>
+      <p:sp>
+        <p:nvSpPr>
+          <p:cNvPr id="7" name="Title 1"/>
+          <p:cNvSpPr txBox="1">
+            <a:spLocks/>
+          </p:cNvSpPr>
+          <p:nvPr/>
         </p:nvSpPr>
         <p:spPr>
           <a:xfrm>
-            <a:off x="457200" y="1524000"/>
-            <a:ext cx="4876800" cy="2057400"/>
-          </a:xfrm>
-        </p:spPr>
-        <p:txBody>
-          <a:bodyPr>
-            <a:normAutofit/>
-          </a:bodyPr>
-          <a:lstStyle/>
-          <a:p>
-            <a:pPr>
-              <a:buFont typeface="Wingdings" pitchFamily="2" charset="2"/>
-              <a:buChar char="ü"/>
-            </a:pPr>
-            <a:r>
-              <a:rPr lang="en-GB" sz="2400" dirty="0" smtClean="0"/>
-              <a:t>Create parameter files</a:t>
-            </a:r>
-          </a:p>
-          <a:p>
-            <a:pPr>
-              <a:buFont typeface="Wingdings" pitchFamily="2" charset="2"/>
-              <a:buChar char="ü"/>
-            </a:pPr>
-            <a:r>
-              <a:rPr lang="en-GB" sz="2400" dirty="0" smtClean="0"/>
-              <a:t>Simulate incipient tree / parameter file </a:t>
-            </a:r>
-            <a:endParaRPr lang="en-GB" sz="2400" dirty="0"/>
-          </a:p>
-        </p:txBody>
-      </p:sp>
-      <p:pic>
-        <p:nvPicPr>
-          <p:cNvPr id="4" name="Picture 2" descr="C:\Users\Aline\Dropbox\RUG 2015-2016\1.9 Community eclogy research\4. Poster_presentation\Photo's\Parameter file example.png"/>
-          <p:cNvPicPr>
-            <a:picLocks noChangeAspect="1" noChangeArrowheads="1"/>
-          </p:cNvPicPr>
-          <p:nvPr/>
-        </p:nvPicPr>
-        <p:blipFill>
-          <a:blip r:embed="rId4" cstate="print"/>
-          <a:srcRect/>
-          <a:stretch>
-            <a:fillRect/>
-          </a:stretch>
-        </p:blipFill>
-        <p:spPr bwMode="auto">
-          <a:xfrm>
-            <a:off x="5486400" y="1295400"/>
-            <a:ext cx="3279314" cy="3400425"/>
+            <a:off x="457200" y="2590800"/>
+            <a:ext cx="8229600" cy="1143000"/>
           </a:xfrm>
           <a:prstGeom prst="rect">
             <a:avLst/>
           </a:prstGeom>
-          <a:noFill/>
         </p:spPr>
-      </p:pic>
-      <p:pic>
-        <p:nvPicPr>
-          <p:cNvPr id="7" name="Picture"/>
-          <p:cNvPicPr/>
-          <p:nvPr/>
-        </p:nvPicPr>
-        <p:blipFill>
-          <a:blip r:embed="rId5" cstate="print"/>
-          <a:stretch>
-            <a:fillRect/>
-          </a:stretch>
-        </p:blipFill>
-        <p:spPr bwMode="auto">
-          <a:xfrm>
-            <a:off x="4800600" y="3048000"/>
-            <a:ext cx="3962400" cy="3352800"/>
-          </a:xfrm>
-          <a:prstGeom prst="rect">
-            <a:avLst/>
-          </a:prstGeom>
-          <a:noFill/>
-          <a:ln w="9525">
-            <a:noFill/>
-            <a:headEnd/>
-            <a:tailEnd/>
-          </a:ln>
-        </p:spPr>
-      </p:pic>
-      <p:sp>
-        <p:nvSpPr>
-          <p:cNvPr id="11" name="Right Arrow 10"/>
-          <p:cNvSpPr/>
-          <p:nvPr/>
-        </p:nvSpPr>
-        <p:spPr>
-          <a:xfrm>
-            <a:off x="4267200" y="4800600"/>
-            <a:ext cx="457200" cy="304800"/>
-          </a:xfrm>
-          <a:prstGeom prst="rightArrow">
-            <a:avLst/>
-          </a:prstGeom>
-        </p:spPr>
-        <p:style>
-          <a:lnRef idx="2">
-            <a:schemeClr val="accent1">
-              <a:shade val="50000"/>
-            </a:schemeClr>
-          </a:lnRef>
-          <a:fillRef idx="1">
-            <a:schemeClr val="accent1"/>
-          </a:fillRef>
-          <a:effectRef idx="0">
-            <a:schemeClr val="accent1"/>
-          </a:effectRef>
-          <a:fontRef idx="minor">
-            <a:schemeClr val="lt1"/>
-          </a:fontRef>
-        </p:style>
-        <p:txBody>
-          <a:bodyPr rtlCol="0" anchor="ctr"/>
-          <a:lstStyle/>
-          <a:p>
-            <a:pPr algn="ctr"/>
-            <a:endParaRPr lang="en-GB"/>
+        <p:txBody>
+          <a:bodyPr vert="horz" lIns="91440" tIns="45720" rIns="91440" bIns="45720" rtlCol="0" anchor="ctr">
+            <a:normAutofit/>
+          </a:bodyPr>
+          <a:lstStyle/>
+          <a:p>
+            <a:pPr marL="0" marR="0" lvl="0" indent="0" algn="ctr" defTabSz="914400" rtl="0" eaLnBrk="1" fontAlgn="auto" latinLnBrk="0" hangingPunct="1">
+              <a:lnSpc>
+                <a:spcPct val="100000"/>
+              </a:lnSpc>
+              <a:spcBef>
+                <a:spcPct val="0"/>
+              </a:spcBef>
+              <a:spcAft>
+                <a:spcPts val="0"/>
+              </a:spcAft>
+              <a:buClrTx/>
+              <a:buSzTx/>
+              <a:buFontTx/>
+              <a:buNone/>
+              <a:tabLst/>
+              <a:defRPr/>
+            </a:pPr>
+            <a:r>
+              <a:rPr kumimoji="0" lang="en-GB" sz="4400" b="0" i="0" u="none" strike="noStrike" kern="1200" cap="none" spc="0" normalizeH="0" baseline="0" noProof="0" dirty="0" smtClean="0">
+                <a:ln>
+                  <a:noFill/>
+                </a:ln>
+                <a:solidFill>
+                  <a:schemeClr val="tx1"/>
+                </a:solidFill>
+                <a:effectLst/>
+                <a:uLnTx/>
+                <a:uFillTx/>
+                <a:latin typeface="+mj-lt"/>
+                <a:ea typeface="+mj-ea"/>
+                <a:cs typeface="+mj-cs"/>
+              </a:rPr>
+              <a:t>Sub questions</a:t>
+            </a:r>
+            <a:endParaRPr kumimoji="0" lang="en-GB" sz="4400" b="0" i="0" u="none" strike="noStrike" kern="1200" cap="none" spc="0" normalizeH="0" baseline="0" noProof="0" dirty="0">
+              <a:ln>
+                <a:noFill/>
+              </a:ln>
+              <a:solidFill>
+                <a:schemeClr val="tx1"/>
+              </a:solidFill>
+              <a:effectLst/>
+              <a:uLnTx/>
+              <a:uFillTx/>
+              <a:latin typeface="+mj-lt"/>
+              <a:ea typeface="+mj-ea"/>
+              <a:cs typeface="+mj-cs"/>
+            </a:endParaRPr>
           </a:p>
         </p:txBody>
       </p:sp>
@@ -11052,310 +11245,9 @@
   <p:timing>
     <p:tnLst>
       <p:par>
-        <p:cTn id="1" dur="indefinite" restart="never" nodeType="tmRoot">
-          <p:childTnLst>
-            <p:seq concurrent="1" nextAc="seek">
-              <p:cTn id="2" dur="indefinite" nodeType="mainSeq">
-                <p:childTnLst>
-                  <p:par>
-                    <p:cTn id="3" fill="hold">
-                      <p:stCondLst>
-                        <p:cond delay="indefinite"/>
-                        <p:cond evt="onBegin" delay="0">
-                          <p:tn val="2"/>
-                        </p:cond>
-                      </p:stCondLst>
-                      <p:childTnLst>
-                        <p:par>
-                          <p:cTn id="4" fill="hold">
-                            <p:stCondLst>
-                              <p:cond delay="0"/>
-                            </p:stCondLst>
-                            <p:childTnLst>
-                              <p:par>
-                                <p:cTn id="5" presetID="1" presetClass="entr" presetSubtype="0" fill="hold" grpId="1" nodeType="withEffect">
-                                  <p:stCondLst>
-                                    <p:cond delay="0"/>
-                                  </p:stCondLst>
-                                  <p:childTnLst>
-                                    <p:set>
-                                      <p:cBhvr>
-                                        <p:cTn id="6" dur="1" fill="hold">
-                                          <p:stCondLst>
-                                            <p:cond delay="0"/>
-                                          </p:stCondLst>
-                                        </p:cTn>
-                                        <p:tgtEl>
-                                          <p:spTgt spid="2"/>
-                                        </p:tgtEl>
-                                        <p:attrNameLst>
-                                          <p:attrName>style.visibility</p:attrName>
-                                        </p:attrNameLst>
-                                      </p:cBhvr>
-                                      <p:to>
-                                        <p:strVal val="visible"/>
-                                      </p:to>
-                                    </p:set>
-                                  </p:childTnLst>
-                                </p:cTn>
-                              </p:par>
-                            </p:childTnLst>
-                          </p:cTn>
-                        </p:par>
-                      </p:childTnLst>
-                    </p:cTn>
-                  </p:par>
-                  <p:par>
-                    <p:cTn id="7" fill="hold">
-                      <p:stCondLst>
-                        <p:cond delay="indefinite"/>
-                      </p:stCondLst>
-                      <p:childTnLst>
-                        <p:par>
-                          <p:cTn id="8" fill="hold">
-                            <p:stCondLst>
-                              <p:cond delay="0"/>
-                            </p:stCondLst>
-                            <p:childTnLst>
-                              <p:par>
-                                <p:cTn id="9" presetID="1" presetClass="entr" presetSubtype="0" fill="hold" grpId="0" nodeType="clickEffect">
-                                  <p:stCondLst>
-                                    <p:cond delay="0"/>
-                                  </p:stCondLst>
-                                  <p:childTnLst>
-                                    <p:set>
-                                      <p:cBhvr>
-                                        <p:cTn id="10" dur="1" fill="hold">
-                                          <p:stCondLst>
-                                            <p:cond delay="0"/>
-                                          </p:stCondLst>
-                                        </p:cTn>
-                                        <p:tgtEl>
-                                          <p:spTgt spid="3">
-                                            <p:txEl>
-                                              <p:pRg st="0" end="0"/>
-                                            </p:txEl>
-                                          </p:spTgt>
-                                        </p:tgtEl>
-                                        <p:attrNameLst>
-                                          <p:attrName>style.visibility</p:attrName>
-                                        </p:attrNameLst>
-                                      </p:cBhvr>
-                                      <p:to>
-                                        <p:strVal val="visible"/>
-                                      </p:to>
-                                    </p:set>
-                                  </p:childTnLst>
-                                </p:cTn>
-                              </p:par>
-                              <p:par>
-                                <p:cTn id="11" presetID="1" presetClass="entr" presetSubtype="0" fill="hold" nodeType="withEffect">
-                                  <p:stCondLst>
-                                    <p:cond delay="0"/>
-                                  </p:stCondLst>
-                                  <p:childTnLst>
-                                    <p:set>
-                                      <p:cBhvr>
-                                        <p:cTn id="12" dur="1" fill="hold">
-                                          <p:stCondLst>
-                                            <p:cond delay="0"/>
-                                          </p:stCondLst>
-                                        </p:cTn>
-                                        <p:tgtEl>
-                                          <p:spTgt spid="4"/>
-                                        </p:tgtEl>
-                                        <p:attrNameLst>
-                                          <p:attrName>style.visibility</p:attrName>
-                                        </p:attrNameLst>
-                                      </p:cBhvr>
-                                      <p:to>
-                                        <p:strVal val="visible"/>
-                                      </p:to>
-                                    </p:set>
-                                  </p:childTnLst>
-                                </p:cTn>
-                              </p:par>
-                            </p:childTnLst>
-                          </p:cTn>
-                        </p:par>
-                      </p:childTnLst>
-                    </p:cTn>
-                  </p:par>
-                  <p:par>
-                    <p:cTn id="13" fill="hold">
-                      <p:stCondLst>
-                        <p:cond delay="indefinite"/>
-                      </p:stCondLst>
-                      <p:childTnLst>
-                        <p:par>
-                          <p:cTn id="14" fill="hold">
-                            <p:stCondLst>
-                              <p:cond delay="0"/>
-                            </p:stCondLst>
-                            <p:childTnLst>
-                              <p:par>
-                                <p:cTn id="15" presetID="1" presetClass="entr" presetSubtype="0" fill="hold" grpId="1" nodeType="clickEffect">
-                                  <p:stCondLst>
-                                    <p:cond delay="0"/>
-                                  </p:stCondLst>
-                                  <p:childTnLst>
-                                    <p:set>
-                                      <p:cBhvr>
-                                        <p:cTn id="16" dur="1" fill="hold">
-                                          <p:stCondLst>
-                                            <p:cond delay="0"/>
-                                          </p:stCondLst>
-                                        </p:cTn>
-                                        <p:tgtEl>
-                                          <p:spTgt spid="3">
-                                            <p:txEl>
-                                              <p:pRg st="1" end="1"/>
-                                            </p:txEl>
-                                          </p:spTgt>
-                                        </p:tgtEl>
-                                        <p:attrNameLst>
-                                          <p:attrName>style.visibility</p:attrName>
-                                        </p:attrNameLst>
-                                      </p:cBhvr>
-                                      <p:to>
-                                        <p:strVal val="visible"/>
-                                      </p:to>
-                                    </p:set>
-                                  </p:childTnLst>
-                                </p:cTn>
-                              </p:par>
-                              <p:par>
-                                <p:cTn id="17" presetID="1" presetClass="entr" presetSubtype="0" fill="hold" nodeType="withEffect">
-                                  <p:stCondLst>
-                                    <p:cond delay="0"/>
-                                  </p:stCondLst>
-                                  <p:childTnLst>
-                                    <p:set>
-                                      <p:cBhvr>
-                                        <p:cTn id="18" dur="1" fill="hold">
-                                          <p:stCondLst>
-                                            <p:cond delay="0"/>
-                                          </p:stCondLst>
-                                        </p:cTn>
-                                        <p:tgtEl>
-                                          <p:spTgt spid="5"/>
-                                        </p:tgtEl>
-                                        <p:attrNameLst>
-                                          <p:attrName>style.visibility</p:attrName>
-                                        </p:attrNameLst>
-                                      </p:cBhvr>
-                                      <p:to>
-                                        <p:strVal val="visible"/>
-                                      </p:to>
-                                    </p:set>
-                                  </p:childTnLst>
-                                </p:cTn>
-                              </p:par>
-                            </p:childTnLst>
-                          </p:cTn>
-                        </p:par>
-                      </p:childTnLst>
-                    </p:cTn>
-                  </p:par>
-                  <p:par>
-                    <p:cTn id="19" fill="hold">
-                      <p:stCondLst>
-                        <p:cond delay="indefinite"/>
-                      </p:stCondLst>
-                      <p:childTnLst>
-                        <p:par>
-                          <p:cTn id="20" fill="hold">
-                            <p:stCondLst>
-                              <p:cond delay="0"/>
-                            </p:stCondLst>
-                            <p:childTnLst>
-                              <p:par>
-                                <p:cTn id="21" presetID="1" presetClass="entr" presetSubtype="0" fill="hold" grpId="0" nodeType="clickEffect">
-                                  <p:stCondLst>
-                                    <p:cond delay="0"/>
-                                  </p:stCondLst>
-                                  <p:childTnLst>
-                                    <p:set>
-                                      <p:cBhvr>
-                                        <p:cTn id="22" dur="1" fill="hold">
-                                          <p:stCondLst>
-                                            <p:cond delay="0"/>
-                                          </p:stCondLst>
-                                        </p:cTn>
-                                        <p:tgtEl>
-                                          <p:spTgt spid="11"/>
-                                        </p:tgtEl>
-                                        <p:attrNameLst>
-                                          <p:attrName>style.visibility</p:attrName>
-                                        </p:attrNameLst>
-                                      </p:cBhvr>
-                                      <p:to>
-                                        <p:strVal val="visible"/>
-                                      </p:to>
-                                    </p:set>
-                                  </p:childTnLst>
-                                </p:cTn>
-                              </p:par>
-                              <p:par>
-                                <p:cTn id="23" presetID="1" presetClass="entr" presetSubtype="0" fill="hold" nodeType="withEffect">
-                                  <p:stCondLst>
-                                    <p:cond delay="0"/>
-                                  </p:stCondLst>
-                                  <p:childTnLst>
-                                    <p:set>
-                                      <p:cBhvr>
-                                        <p:cTn id="24" dur="1" fill="hold">
-                                          <p:stCondLst>
-                                            <p:cond delay="0"/>
-                                          </p:stCondLst>
-                                        </p:cTn>
-                                        <p:tgtEl>
-                                          <p:spTgt spid="7"/>
-                                        </p:tgtEl>
-                                        <p:attrNameLst>
-                                          <p:attrName>style.visibility</p:attrName>
-                                        </p:attrNameLst>
-                                      </p:cBhvr>
-                                      <p:to>
-                                        <p:strVal val="visible"/>
-                                      </p:to>
-                                    </p:set>
-                                  </p:childTnLst>
-                                </p:cTn>
-                              </p:par>
-                            </p:childTnLst>
-                          </p:cTn>
-                        </p:par>
-                      </p:childTnLst>
-                    </p:cTn>
-                  </p:par>
-                </p:childTnLst>
-              </p:cTn>
-              <p:prevCondLst>
-                <p:cond evt="onPrev" delay="0">
-                  <p:tgtEl>
-                    <p:sldTgt/>
-                  </p:tgtEl>
-                </p:cond>
-              </p:prevCondLst>
-              <p:nextCondLst>
-                <p:cond evt="onNext" delay="0">
-                  <p:tgtEl>
-                    <p:sldTgt/>
-                  </p:tgtEl>
-                </p:cond>
-              </p:nextCondLst>
-            </p:seq>
-          </p:childTnLst>
-        </p:cTn>
+        <p:cTn id="1" dur="indefinite" restart="never" nodeType="tmRoot"/>
       </p:par>
     </p:tnLst>
-    <p:bldLst>
-      <p:bldP spid="2" grpId="1"/>
-      <p:bldP spid="3" grpId="0" uiExpand="1" build="p"/>
-      <p:bldP spid="3" grpId="1" uiExpand="1" build="p"/>
-      <p:bldP spid="11" grpId="0" animBg="1"/>
-    </p:bldLst>
   </p:timing>
 </p:sld>
 </file>
